--- a/hiraku-pp.pptx
+++ b/hiraku-pp.pptx
@@ -182,7 +182,7 @@
           <a:noFill/>
           <a:extLst>
             <a:ext uri="{909E8E84-426E-40dd-AFC4-6F175D3DCCD1}">
-              <a14:hiddenFill xmlns:a14="http://schemas.microsoft.com/office/drawing/2010/main" xmlns="">
+              <a14:hiddenFill xmlns="" xmlns:a14="http://schemas.microsoft.com/office/drawing/2010/main">
                 <a:solidFill>
                   <a:srgbClr val="FFFFFF"/>
                 </a:solidFill>
@@ -242,7 +242,7 @@
             </a:ln>
             <a:extLst>
               <a:ext uri="{91240B29-F687-4f45-9708-019B960494DF}">
-                <a14:hiddenLine xmlns:a14="http://schemas.microsoft.com/office/drawing/2010/main" xmlns="" w="9525">
+                <a14:hiddenLine xmlns="" xmlns:a14="http://schemas.microsoft.com/office/drawing/2010/main" w="9525">
                   <a:solidFill>
                     <a:srgbClr val="000000"/>
                   </a:solidFill>
@@ -332,7 +332,7 @@
             </a:ln>
             <a:extLst>
               <a:ext uri="{91240B29-F687-4f45-9708-019B960494DF}">
-                <a14:hiddenLine xmlns:a14="http://schemas.microsoft.com/office/drawing/2010/main" xmlns="" w="9525">
+                <a14:hiddenLine xmlns="" xmlns:a14="http://schemas.microsoft.com/office/drawing/2010/main" w="9525">
                   <a:solidFill>
                     <a:srgbClr val="000000"/>
                   </a:solidFill>
@@ -422,7 +422,7 @@
             </a:ln>
             <a:extLst>
               <a:ext uri="{91240B29-F687-4f45-9708-019B960494DF}">
-                <a14:hiddenLine xmlns:a14="http://schemas.microsoft.com/office/drawing/2010/main" xmlns="" w="9525">
+                <a14:hiddenLine xmlns="" xmlns:a14="http://schemas.microsoft.com/office/drawing/2010/main" w="9525">
                   <a:solidFill>
                     <a:srgbClr val="000000"/>
                   </a:solidFill>
@@ -456,7 +456,7 @@
             </a:ln>
             <a:extLst>
               <a:ext uri="{91240B29-F687-4f45-9708-019B960494DF}">
-                <a14:hiddenLine xmlns:a14="http://schemas.microsoft.com/office/drawing/2010/main" xmlns="" w="9525">
+                <a14:hiddenLine xmlns="" xmlns:a14="http://schemas.microsoft.com/office/drawing/2010/main" w="9525">
                   <a:solidFill>
                     <a:srgbClr val="000000"/>
                   </a:solidFill>
@@ -546,7 +546,7 @@
             </a:ln>
             <a:extLst>
               <a:ext uri="{91240B29-F687-4f45-9708-019B960494DF}">
-                <a14:hiddenLine xmlns:a14="http://schemas.microsoft.com/office/drawing/2010/main" xmlns="" w="9525">
+                <a14:hiddenLine xmlns="" xmlns:a14="http://schemas.microsoft.com/office/drawing/2010/main" w="9525">
                   <a:solidFill>
                     <a:srgbClr val="000000"/>
                   </a:solidFill>
@@ -608,7 +608,7 @@
             </a:ln>
             <a:extLst>
               <a:ext uri="{91240B29-F687-4f45-9708-019B960494DF}">
-                <a14:hiddenLine xmlns:a14="http://schemas.microsoft.com/office/drawing/2010/main" xmlns="" w="9525">
+                <a14:hiddenLine xmlns="" xmlns:a14="http://schemas.microsoft.com/office/drawing/2010/main" w="9525">
                   <a:solidFill>
                     <a:srgbClr val="000000"/>
                   </a:solidFill>
@@ -670,7 +670,7 @@
             </a:ln>
             <a:extLst>
               <a:ext uri="{91240B29-F687-4f45-9708-019B960494DF}">
-                <a14:hiddenLine xmlns:a14="http://schemas.microsoft.com/office/drawing/2010/main" xmlns="" w="9525">
+                <a14:hiddenLine xmlns="" xmlns:a14="http://schemas.microsoft.com/office/drawing/2010/main" w="9525">
                   <a:solidFill>
                     <a:srgbClr val="000000"/>
                   </a:solidFill>
@@ -760,7 +760,7 @@
             </a:ln>
             <a:extLst>
               <a:ext uri="{91240B29-F687-4f45-9708-019B960494DF}">
-                <a14:hiddenLine xmlns:a14="http://schemas.microsoft.com/office/drawing/2010/main" xmlns="" w="9525">
+                <a14:hiddenLine xmlns="" xmlns:a14="http://schemas.microsoft.com/office/drawing/2010/main" w="9525">
                   <a:solidFill>
                     <a:srgbClr val="000000"/>
                   </a:solidFill>
@@ -822,7 +822,7 @@
             </a:ln>
             <a:extLst>
               <a:ext uri="{91240B29-F687-4f45-9708-019B960494DF}">
-                <a14:hiddenLine xmlns:a14="http://schemas.microsoft.com/office/drawing/2010/main" xmlns="" w="9525">
+                <a14:hiddenLine xmlns="" xmlns:a14="http://schemas.microsoft.com/office/drawing/2010/main" w="9525">
                   <a:solidFill>
                     <a:srgbClr val="000000"/>
                   </a:solidFill>
@@ -884,7 +884,7 @@
             </a:ln>
             <a:extLst>
               <a:ext uri="{91240B29-F687-4f45-9708-019B960494DF}">
-                <a14:hiddenLine xmlns:a14="http://schemas.microsoft.com/office/drawing/2010/main" xmlns="" w="9525">
+                <a14:hiddenLine xmlns="" xmlns:a14="http://schemas.microsoft.com/office/drawing/2010/main" w="9525">
                   <a:solidFill>
                     <a:srgbClr val="000000"/>
                   </a:solidFill>
@@ -974,7 +974,7 @@
             </a:ln>
             <a:extLst>
               <a:ext uri="{91240B29-F687-4f45-9708-019B960494DF}">
-                <a14:hiddenLine xmlns:a14="http://schemas.microsoft.com/office/drawing/2010/main" xmlns="" w="9525">
+                <a14:hiddenLine xmlns="" xmlns:a14="http://schemas.microsoft.com/office/drawing/2010/main" w="9525">
                   <a:solidFill>
                     <a:srgbClr val="000000"/>
                   </a:solidFill>
@@ -1064,7 +1064,7 @@
             </a:ln>
             <a:extLst>
               <a:ext uri="{91240B29-F687-4f45-9708-019B960494DF}">
-                <a14:hiddenLine xmlns:a14="http://schemas.microsoft.com/office/drawing/2010/main" xmlns="" w="9525">
+                <a14:hiddenLine xmlns="" xmlns:a14="http://schemas.microsoft.com/office/drawing/2010/main" w="9525">
                   <a:solidFill>
                     <a:srgbClr val="000000"/>
                   </a:solidFill>
@@ -1126,7 +1126,7 @@
             </a:ln>
             <a:extLst>
               <a:ext uri="{91240B29-F687-4f45-9708-019B960494DF}">
-                <a14:hiddenLine xmlns:a14="http://schemas.microsoft.com/office/drawing/2010/main" xmlns="" w="9525">
+                <a14:hiddenLine xmlns="" xmlns:a14="http://schemas.microsoft.com/office/drawing/2010/main" w="9525">
                   <a:solidFill>
                     <a:srgbClr val="000000"/>
                   </a:solidFill>
@@ -1236,7 +1236,7 @@
             </a:ln>
             <a:extLst>
               <a:ext uri="{91240B29-F687-4f45-9708-019B960494DF}">
-                <a14:hiddenLine xmlns:a14="http://schemas.microsoft.com/office/drawing/2010/main" xmlns="" w="9525">
+                <a14:hiddenLine xmlns="" xmlns:a14="http://schemas.microsoft.com/office/drawing/2010/main" w="9525">
                   <a:solidFill>
                     <a:srgbClr val="000000"/>
                   </a:solidFill>
@@ -1298,7 +1298,7 @@
             </a:ln>
             <a:extLst>
               <a:ext uri="{91240B29-F687-4f45-9708-019B960494DF}">
-                <a14:hiddenLine xmlns:a14="http://schemas.microsoft.com/office/drawing/2010/main" xmlns="" w="9525">
+                <a14:hiddenLine xmlns="" xmlns:a14="http://schemas.microsoft.com/office/drawing/2010/main" w="9525">
                   <a:solidFill>
                     <a:srgbClr val="000000"/>
                   </a:solidFill>
@@ -1388,7 +1388,7 @@
             </a:ln>
             <a:extLst>
               <a:ext uri="{91240B29-F687-4f45-9708-019B960494DF}">
-                <a14:hiddenLine xmlns:a14="http://schemas.microsoft.com/office/drawing/2010/main" xmlns="" w="9525">
+                <a14:hiddenLine xmlns="" xmlns:a14="http://schemas.microsoft.com/office/drawing/2010/main" w="9525">
                   <a:solidFill>
                     <a:srgbClr val="000000"/>
                   </a:solidFill>
@@ -1478,7 +1478,7 @@
             </a:ln>
             <a:extLst>
               <a:ext uri="{91240B29-F687-4f45-9708-019B960494DF}">
-                <a14:hiddenLine xmlns:a14="http://schemas.microsoft.com/office/drawing/2010/main" xmlns="" w="9525">
+                <a14:hiddenLine xmlns="" xmlns:a14="http://schemas.microsoft.com/office/drawing/2010/main" w="9525">
                   <a:solidFill>
                     <a:srgbClr val="000000"/>
                   </a:solidFill>
@@ -1540,7 +1540,7 @@
             </a:ln>
             <a:extLst>
               <a:ext uri="{91240B29-F687-4f45-9708-019B960494DF}">
-                <a14:hiddenLine xmlns:a14="http://schemas.microsoft.com/office/drawing/2010/main" xmlns="" w="9525">
+                <a14:hiddenLine xmlns="" xmlns:a14="http://schemas.microsoft.com/office/drawing/2010/main" w="9525">
                   <a:solidFill>
                     <a:srgbClr val="000000"/>
                   </a:solidFill>
@@ -1630,7 +1630,7 @@
             </a:ln>
             <a:extLst>
               <a:ext uri="{91240B29-F687-4f45-9708-019B960494DF}">
-                <a14:hiddenLine xmlns:a14="http://schemas.microsoft.com/office/drawing/2010/main" xmlns="" w="9525">
+                <a14:hiddenLine xmlns="" xmlns:a14="http://schemas.microsoft.com/office/drawing/2010/main" w="9525">
                   <a:solidFill>
                     <a:srgbClr val="000000"/>
                   </a:solidFill>
@@ -1720,7 +1720,7 @@
             </a:ln>
             <a:extLst>
               <a:ext uri="{91240B29-F687-4f45-9708-019B960494DF}">
-                <a14:hiddenLine xmlns:a14="http://schemas.microsoft.com/office/drawing/2010/main" xmlns="" w="9525">
+                <a14:hiddenLine xmlns="" xmlns:a14="http://schemas.microsoft.com/office/drawing/2010/main" w="9525">
                   <a:solidFill>
                     <a:srgbClr val="000000"/>
                   </a:solidFill>
@@ -1776,7 +1776,7 @@
             </a:ln>
             <a:extLst>
               <a:ext uri="{91240B29-F687-4f45-9708-019B960494DF}">
-                <a14:hiddenLine xmlns:a14="http://schemas.microsoft.com/office/drawing/2010/main" xmlns="" w="9525">
+                <a14:hiddenLine xmlns="" xmlns:a14="http://schemas.microsoft.com/office/drawing/2010/main" w="9525">
                   <a:solidFill>
                     <a:srgbClr val="000000"/>
                   </a:solidFill>
@@ -1866,7 +1866,7 @@
             </a:ln>
             <a:extLst>
               <a:ext uri="{91240B29-F687-4f45-9708-019B960494DF}">
-                <a14:hiddenLine xmlns:a14="http://schemas.microsoft.com/office/drawing/2010/main" xmlns="" w="9525">
+                <a14:hiddenLine xmlns="" xmlns:a14="http://schemas.microsoft.com/office/drawing/2010/main" w="9525">
                   <a:solidFill>
                     <a:srgbClr val="000000"/>
                   </a:solidFill>
@@ -1922,7 +1922,7 @@
             </a:ln>
             <a:extLst>
               <a:ext uri="{91240B29-F687-4f45-9708-019B960494DF}">
-                <a14:hiddenLine xmlns:a14="http://schemas.microsoft.com/office/drawing/2010/main" xmlns="" w="9525">
+                <a14:hiddenLine xmlns="" xmlns:a14="http://schemas.microsoft.com/office/drawing/2010/main" w="9525">
                   <a:solidFill>
                     <a:srgbClr val="000000"/>
                   </a:solidFill>
@@ -2012,7 +2012,7 @@
             </a:ln>
             <a:extLst>
               <a:ext uri="{91240B29-F687-4f45-9708-019B960494DF}">
-                <a14:hiddenLine xmlns:a14="http://schemas.microsoft.com/office/drawing/2010/main" xmlns="" w="9525">
+                <a14:hiddenLine xmlns="" xmlns:a14="http://schemas.microsoft.com/office/drawing/2010/main" w="9525">
                   <a:solidFill>
                     <a:srgbClr val="000000"/>
                   </a:solidFill>
@@ -2080,7 +2080,7 @@
             </a:ln>
             <a:extLst>
               <a:ext uri="{91240B29-F687-4f45-9708-019B960494DF}">
-                <a14:hiddenLine xmlns:a14="http://schemas.microsoft.com/office/drawing/2010/main" xmlns="" w="9525">
+                <a14:hiddenLine xmlns="" xmlns:a14="http://schemas.microsoft.com/office/drawing/2010/main" w="9525">
                   <a:solidFill>
                     <a:srgbClr val="000000"/>
                   </a:solidFill>
@@ -2170,7 +2170,7 @@
             </a:ln>
             <a:extLst>
               <a:ext uri="{91240B29-F687-4f45-9708-019B960494DF}">
-                <a14:hiddenLine xmlns:a14="http://schemas.microsoft.com/office/drawing/2010/main" xmlns="" w="9525">
+                <a14:hiddenLine xmlns="" xmlns:a14="http://schemas.microsoft.com/office/drawing/2010/main" w="9525">
                   <a:solidFill>
                     <a:srgbClr val="000000"/>
                   </a:solidFill>
@@ -2238,7 +2238,7 @@
             </a:ln>
             <a:extLst>
               <a:ext uri="{91240B29-F687-4f45-9708-019B960494DF}">
-                <a14:hiddenLine xmlns:a14="http://schemas.microsoft.com/office/drawing/2010/main" xmlns="" w="9525">
+                <a14:hiddenLine xmlns="" xmlns:a14="http://schemas.microsoft.com/office/drawing/2010/main" w="9525">
                   <a:solidFill>
                     <a:srgbClr val="000000"/>
                   </a:solidFill>
@@ -2328,7 +2328,7 @@
             </a:ln>
             <a:extLst>
               <a:ext uri="{91240B29-F687-4f45-9708-019B960494DF}">
-                <a14:hiddenLine xmlns:a14="http://schemas.microsoft.com/office/drawing/2010/main" xmlns="" w="9525">
+                <a14:hiddenLine xmlns="" xmlns:a14="http://schemas.microsoft.com/office/drawing/2010/main" w="9525">
                   <a:solidFill>
                     <a:srgbClr val="000000"/>
                   </a:solidFill>
@@ -2362,7 +2362,7 @@
             </a:ln>
             <a:extLst>
               <a:ext uri="{91240B29-F687-4f45-9708-019B960494DF}">
-                <a14:hiddenLine xmlns:a14="http://schemas.microsoft.com/office/drawing/2010/main" xmlns="" w="9525">
+                <a14:hiddenLine xmlns="" xmlns:a14="http://schemas.microsoft.com/office/drawing/2010/main" w="9525">
                   <a:solidFill>
                     <a:srgbClr val="000000"/>
                   </a:solidFill>
@@ -2452,7 +2452,7 @@
             </a:ln>
             <a:extLst>
               <a:ext uri="{91240B29-F687-4f45-9708-019B960494DF}">
-                <a14:hiddenLine xmlns:a14="http://schemas.microsoft.com/office/drawing/2010/main" xmlns="" w="9525">
+                <a14:hiddenLine xmlns="" xmlns:a14="http://schemas.microsoft.com/office/drawing/2010/main" w="9525">
                   <a:solidFill>
                     <a:srgbClr val="000000"/>
                   </a:solidFill>
@@ -2514,7 +2514,7 @@
             </a:ln>
             <a:extLst>
               <a:ext uri="{91240B29-F687-4f45-9708-019B960494DF}">
-                <a14:hiddenLine xmlns:a14="http://schemas.microsoft.com/office/drawing/2010/main" xmlns="" w="9525">
+                <a14:hiddenLine xmlns="" xmlns:a14="http://schemas.microsoft.com/office/drawing/2010/main" w="9525">
                   <a:solidFill>
                     <a:srgbClr val="000000"/>
                   </a:solidFill>
@@ -2576,7 +2576,7 @@
             </a:ln>
             <a:extLst>
               <a:ext uri="{91240B29-F687-4f45-9708-019B960494DF}">
-                <a14:hiddenLine xmlns:a14="http://schemas.microsoft.com/office/drawing/2010/main" xmlns="" w="9525">
+                <a14:hiddenLine xmlns="" xmlns:a14="http://schemas.microsoft.com/office/drawing/2010/main" w="9525">
                   <a:solidFill>
                     <a:srgbClr val="000000"/>
                   </a:solidFill>
@@ -2666,7 +2666,7 @@
             </a:ln>
             <a:extLst>
               <a:ext uri="{91240B29-F687-4f45-9708-019B960494DF}">
-                <a14:hiddenLine xmlns:a14="http://schemas.microsoft.com/office/drawing/2010/main" xmlns="" w="9525">
+                <a14:hiddenLine xmlns="" xmlns:a14="http://schemas.microsoft.com/office/drawing/2010/main" w="9525">
                   <a:solidFill>
                     <a:srgbClr val="000000"/>
                   </a:solidFill>
@@ -2734,7 +2734,7 @@
             </a:ln>
             <a:extLst>
               <a:ext uri="{91240B29-F687-4f45-9708-019B960494DF}">
-                <a14:hiddenLine xmlns:a14="http://schemas.microsoft.com/office/drawing/2010/main" xmlns="" w="9525">
+                <a14:hiddenLine xmlns="" xmlns:a14="http://schemas.microsoft.com/office/drawing/2010/main" w="9525">
                   <a:solidFill>
                     <a:srgbClr val="000000"/>
                   </a:solidFill>
@@ -2796,7 +2796,7 @@
             </a:ln>
             <a:extLst>
               <a:ext uri="{91240B29-F687-4f45-9708-019B960494DF}">
-                <a14:hiddenLine xmlns:a14="http://schemas.microsoft.com/office/drawing/2010/main" xmlns="" w="9525">
+                <a14:hiddenLine xmlns="" xmlns:a14="http://schemas.microsoft.com/office/drawing/2010/main" w="9525">
                   <a:solidFill>
                     <a:srgbClr val="000000"/>
                   </a:solidFill>
@@ -2886,7 +2886,7 @@
             </a:ln>
             <a:extLst>
               <a:ext uri="{91240B29-F687-4f45-9708-019B960494DF}">
-                <a14:hiddenLine xmlns:a14="http://schemas.microsoft.com/office/drawing/2010/main" xmlns="" w="9525">
+                <a14:hiddenLine xmlns="" xmlns:a14="http://schemas.microsoft.com/office/drawing/2010/main" w="9525">
                   <a:solidFill>
                     <a:srgbClr val="000000"/>
                   </a:solidFill>
@@ -2948,7 +2948,7 @@
             </a:ln>
             <a:extLst>
               <a:ext uri="{91240B29-F687-4f45-9708-019B960494DF}">
-                <a14:hiddenLine xmlns:a14="http://schemas.microsoft.com/office/drawing/2010/main" xmlns="" w="9525">
+                <a14:hiddenLine xmlns="" xmlns:a14="http://schemas.microsoft.com/office/drawing/2010/main" w="9525">
                   <a:solidFill>
                     <a:srgbClr val="000000"/>
                   </a:solidFill>
@@ -3038,7 +3038,7 @@
             </a:ln>
             <a:extLst>
               <a:ext uri="{91240B29-F687-4f45-9708-019B960494DF}">
-                <a14:hiddenLine xmlns:a14="http://schemas.microsoft.com/office/drawing/2010/main" xmlns="" w="9525">
+                <a14:hiddenLine xmlns="" xmlns:a14="http://schemas.microsoft.com/office/drawing/2010/main" w="9525">
                   <a:solidFill>
                     <a:srgbClr val="000000"/>
                   </a:solidFill>
@@ -3100,7 +3100,7 @@
             </a:ln>
             <a:extLst>
               <a:ext uri="{91240B29-F687-4f45-9708-019B960494DF}">
-                <a14:hiddenLine xmlns:a14="http://schemas.microsoft.com/office/drawing/2010/main" xmlns="" w="9525">
+                <a14:hiddenLine xmlns="" xmlns:a14="http://schemas.microsoft.com/office/drawing/2010/main" w="9525">
                   <a:solidFill>
                     <a:srgbClr val="000000"/>
                   </a:solidFill>
@@ -3190,7 +3190,7 @@
             </a:ln>
             <a:extLst>
               <a:ext uri="{91240B29-F687-4f45-9708-019B960494DF}">
-                <a14:hiddenLine xmlns:a14="http://schemas.microsoft.com/office/drawing/2010/main" xmlns="" w="9525">
+                <a14:hiddenLine xmlns="" xmlns:a14="http://schemas.microsoft.com/office/drawing/2010/main" w="9525">
                   <a:solidFill>
                     <a:srgbClr val="000000"/>
                   </a:solidFill>
@@ -3224,7 +3224,7 @@
             </a:ln>
             <a:extLst>
               <a:ext uri="{91240B29-F687-4f45-9708-019B960494DF}">
-                <a14:hiddenLine xmlns:a14="http://schemas.microsoft.com/office/drawing/2010/main" xmlns="" w="9525">
+                <a14:hiddenLine xmlns="" xmlns:a14="http://schemas.microsoft.com/office/drawing/2010/main" w="9525">
                   <a:solidFill>
                     <a:srgbClr val="000000"/>
                   </a:solidFill>
@@ -3289,7 +3289,7 @@
             </a:ln>
             <a:extLst>
               <a:ext uri="{91240B29-F687-4f45-9708-019B960494DF}">
-                <a14:hiddenLine xmlns:a14="http://schemas.microsoft.com/office/drawing/2010/main" xmlns="" w="9525">
+                <a14:hiddenLine xmlns="" xmlns:a14="http://schemas.microsoft.com/office/drawing/2010/main" w="9525">
                   <a:solidFill>
                     <a:srgbClr val="000000"/>
                   </a:solidFill>
@@ -3379,7 +3379,7 @@
             </a:ln>
             <a:extLst>
               <a:ext uri="{91240B29-F687-4f45-9708-019B960494DF}">
-                <a14:hiddenLine xmlns:a14="http://schemas.microsoft.com/office/drawing/2010/main" xmlns="" w="9525">
+                <a14:hiddenLine xmlns="" xmlns:a14="http://schemas.microsoft.com/office/drawing/2010/main" w="9525">
                   <a:solidFill>
                     <a:srgbClr val="000000"/>
                   </a:solidFill>
@@ -3441,7 +3441,7 @@
             </a:ln>
             <a:extLst>
               <a:ext uri="{91240B29-F687-4f45-9708-019B960494DF}">
-                <a14:hiddenLine xmlns:a14="http://schemas.microsoft.com/office/drawing/2010/main" xmlns="" w="9525">
+                <a14:hiddenLine xmlns="" xmlns:a14="http://schemas.microsoft.com/office/drawing/2010/main" w="9525">
                   <a:solidFill>
                     <a:srgbClr val="000000"/>
                   </a:solidFill>
@@ -3531,7 +3531,7 @@
             </a:ln>
             <a:extLst>
               <a:ext uri="{91240B29-F687-4f45-9708-019B960494DF}">
-                <a14:hiddenLine xmlns:a14="http://schemas.microsoft.com/office/drawing/2010/main" xmlns="" w="9525">
+                <a14:hiddenLine xmlns="" xmlns:a14="http://schemas.microsoft.com/office/drawing/2010/main" w="9525">
                   <a:solidFill>
                     <a:srgbClr val="000000"/>
                   </a:solidFill>
@@ -3621,7 +3621,7 @@
             </a:ln>
             <a:extLst>
               <a:ext uri="{91240B29-F687-4f45-9708-019B960494DF}">
-                <a14:hiddenLine xmlns:a14="http://schemas.microsoft.com/office/drawing/2010/main" xmlns="" w="9525">
+                <a14:hiddenLine xmlns="" xmlns:a14="http://schemas.microsoft.com/office/drawing/2010/main" w="9525">
                   <a:solidFill>
                     <a:srgbClr val="000000"/>
                   </a:solidFill>
@@ -3686,7 +3686,7 @@
             </a:ln>
             <a:extLst>
               <a:ext uri="{91240B29-F687-4f45-9708-019B960494DF}">
-                <a14:hiddenLine xmlns:a14="http://schemas.microsoft.com/office/drawing/2010/main" xmlns="" w="9525">
+                <a14:hiddenLine xmlns="" xmlns:a14="http://schemas.microsoft.com/office/drawing/2010/main" w="9525">
                   <a:solidFill>
                     <a:srgbClr val="000000"/>
                   </a:solidFill>
@@ -3748,7 +3748,7 @@
             </a:ln>
             <a:extLst>
               <a:ext uri="{91240B29-F687-4f45-9708-019B960494DF}">
-                <a14:hiddenLine xmlns:a14="http://schemas.microsoft.com/office/drawing/2010/main" xmlns="" w="9525">
+                <a14:hiddenLine xmlns="" xmlns:a14="http://schemas.microsoft.com/office/drawing/2010/main" w="9525">
                   <a:solidFill>
                     <a:srgbClr val="000000"/>
                   </a:solidFill>
@@ -3838,7 +3838,7 @@
             </a:ln>
             <a:extLst>
               <a:ext uri="{91240B29-F687-4f45-9708-019B960494DF}">
-                <a14:hiddenLine xmlns:a14="http://schemas.microsoft.com/office/drawing/2010/main" xmlns="" w="9525">
+                <a14:hiddenLine xmlns="" xmlns:a14="http://schemas.microsoft.com/office/drawing/2010/main" w="9525">
                   <a:solidFill>
                     <a:srgbClr val="000000"/>
                   </a:solidFill>
@@ -3928,7 +3928,7 @@
             </a:ln>
             <a:extLst>
               <a:ext uri="{91240B29-F687-4f45-9708-019B960494DF}">
-                <a14:hiddenLine xmlns:a14="http://schemas.microsoft.com/office/drawing/2010/main" xmlns="" w="9525">
+                <a14:hiddenLine xmlns="" xmlns:a14="http://schemas.microsoft.com/office/drawing/2010/main" w="9525">
                   <a:solidFill>
                     <a:srgbClr val="000000"/>
                   </a:solidFill>
@@ -3990,7 +3990,7 @@
             </a:ln>
             <a:extLst>
               <a:ext uri="{91240B29-F687-4f45-9708-019B960494DF}">
-                <a14:hiddenLine xmlns:a14="http://schemas.microsoft.com/office/drawing/2010/main" xmlns="" w="9525">
+                <a14:hiddenLine xmlns="" xmlns:a14="http://schemas.microsoft.com/office/drawing/2010/main" w="9525">
                   <a:solidFill>
                     <a:srgbClr val="000000"/>
                   </a:solidFill>
@@ -4110,7 +4110,7 @@
             </a:ln>
             <a:extLst>
               <a:ext uri="{91240B29-F687-4f45-9708-019B960494DF}">
-                <a14:hiddenLine xmlns:a14="http://schemas.microsoft.com/office/drawing/2010/main" xmlns="" w="9525">
+                <a14:hiddenLine xmlns="" xmlns:a14="http://schemas.microsoft.com/office/drawing/2010/main" w="9525">
                   <a:solidFill>
                     <a:srgbClr val="000000"/>
                   </a:solidFill>
@@ -4178,7 +4178,7 @@
             </a:ln>
             <a:extLst>
               <a:ext uri="{91240B29-F687-4f45-9708-019B960494DF}">
-                <a14:hiddenLine xmlns:a14="http://schemas.microsoft.com/office/drawing/2010/main" xmlns="" w="9525">
+                <a14:hiddenLine xmlns="" xmlns:a14="http://schemas.microsoft.com/office/drawing/2010/main" w="9525">
                   <a:solidFill>
                     <a:srgbClr val="000000"/>
                   </a:solidFill>
@@ -4268,7 +4268,7 @@
             </a:ln>
             <a:extLst>
               <a:ext uri="{91240B29-F687-4f45-9708-019B960494DF}">
-                <a14:hiddenLine xmlns:a14="http://schemas.microsoft.com/office/drawing/2010/main" xmlns="" w="9525">
+                <a14:hiddenLine xmlns="" xmlns:a14="http://schemas.microsoft.com/office/drawing/2010/main" w="9525">
                   <a:solidFill>
                     <a:srgbClr val="000000"/>
                   </a:solidFill>
@@ -4408,7 +4408,7 @@
           <a:p>
             <a:fld id="{48A87A34-81AB-432B-8DAE-1953F412C126}" type="datetimeFigureOut">
               <a:rPr lang="en-US" dirty="0"/>
-              <a:t>2/11/2019</a:t>
+              <a:t>4/2/2019</a:t>
             </a:fld>
             <a:endParaRPr lang="en-US" dirty="0"/>
           </a:p>
@@ -4670,7 +4670,7 @@
           <a:p>
             <a:fld id="{48A87A34-81AB-432B-8DAE-1953F412C126}" type="datetimeFigureOut">
               <a:rPr lang="en-US" dirty="0"/>
-              <a:t>2/11/2019</a:t>
+              <a:t>4/2/2019</a:t>
             </a:fld>
             <a:endParaRPr lang="en-US" dirty="0"/>
           </a:p>
@@ -4861,7 +4861,7 @@
           <a:p>
             <a:fld id="{48A87A34-81AB-432B-8DAE-1953F412C126}" type="datetimeFigureOut">
               <a:rPr lang="en-US" dirty="0"/>
-              <a:t>2/11/2019</a:t>
+              <a:t>4/2/2019</a:t>
             </a:fld>
             <a:endParaRPr lang="en-US" dirty="0"/>
           </a:p>
@@ -5119,7 +5119,7 @@
           <a:p>
             <a:fld id="{48A87A34-81AB-432B-8DAE-1953F412C126}" type="datetimeFigureOut">
               <a:rPr lang="en-US" dirty="0"/>
-              <a:t>2/11/2019</a:t>
+              <a:t>4/2/2019</a:t>
             </a:fld>
             <a:endParaRPr lang="en-US" dirty="0"/>
           </a:p>
@@ -5548,7 +5548,7 @@
           <a:p>
             <a:fld id="{48A87A34-81AB-432B-8DAE-1953F412C126}" type="datetimeFigureOut">
               <a:rPr lang="en-US" dirty="0"/>
-              <a:t>2/11/2019</a:t>
+              <a:t>4/2/2019</a:t>
             </a:fld>
             <a:endParaRPr lang="en-US" dirty="0"/>
           </a:p>
@@ -6089,7 +6089,7 @@
           <a:p>
             <a:fld id="{48A87A34-81AB-432B-8DAE-1953F412C126}" type="datetimeFigureOut">
               <a:rPr lang="en-US" dirty="0"/>
-              <a:t>2/11/2019</a:t>
+              <a:t>4/2/2019</a:t>
             </a:fld>
             <a:endParaRPr lang="en-US" dirty="0"/>
           </a:p>
@@ -6804,7 +6804,7 @@
           <a:p>
             <a:fld id="{48A87A34-81AB-432B-8DAE-1953F412C126}" type="datetimeFigureOut">
               <a:rPr lang="en-US" dirty="0"/>
-              <a:t>2/11/2019</a:t>
+              <a:t>4/2/2019</a:t>
             </a:fld>
             <a:endParaRPr lang="en-US" dirty="0"/>
           </a:p>
@@ -6969,7 +6969,7 @@
           <a:p>
             <a:fld id="{48A87A34-81AB-432B-8DAE-1953F412C126}" type="datetimeFigureOut">
               <a:rPr lang="en-US" dirty="0"/>
-              <a:t>2/11/2019</a:t>
+              <a:t>4/2/2019</a:t>
             </a:fld>
             <a:endParaRPr lang="en-US" dirty="0"/>
           </a:p>
@@ -7144,7 +7144,7 @@
           <a:p>
             <a:fld id="{48A87A34-81AB-432B-8DAE-1953F412C126}" type="datetimeFigureOut">
               <a:rPr lang="en-US" dirty="0"/>
-              <a:t>2/11/2019</a:t>
+              <a:t>4/2/2019</a:t>
             </a:fld>
             <a:endParaRPr lang="en-US" dirty="0"/>
           </a:p>
@@ -7309,7 +7309,7 @@
           <a:p>
             <a:fld id="{48A87A34-81AB-432B-8DAE-1953F412C126}" type="datetimeFigureOut">
               <a:rPr lang="en-US" dirty="0"/>
-              <a:t>2/11/2019</a:t>
+              <a:t>4/2/2019</a:t>
             </a:fld>
             <a:endParaRPr lang="en-US" dirty="0"/>
           </a:p>
@@ -7554,7 +7554,7 @@
           <a:p>
             <a:fld id="{48A87A34-81AB-432B-8DAE-1953F412C126}" type="datetimeFigureOut">
               <a:rPr lang="en-US" dirty="0"/>
-              <a:t>2/11/2019</a:t>
+              <a:t>4/2/2019</a:t>
             </a:fld>
             <a:endParaRPr lang="en-US" dirty="0"/>
           </a:p>
@@ -7781,7 +7781,7 @@
           <a:p>
             <a:fld id="{48A87A34-81AB-432B-8DAE-1953F412C126}" type="datetimeFigureOut">
               <a:rPr lang="en-US" dirty="0"/>
-              <a:t>2/11/2019</a:t>
+              <a:t>4/2/2019</a:t>
             </a:fld>
             <a:endParaRPr lang="en-US" dirty="0"/>
           </a:p>
@@ -8157,7 +8157,7 @@
           <a:p>
             <a:fld id="{48A87A34-81AB-432B-8DAE-1953F412C126}" type="datetimeFigureOut">
               <a:rPr lang="en-US" dirty="0"/>
-              <a:t>2/11/2019</a:t>
+              <a:t>4/2/2019</a:t>
             </a:fld>
             <a:endParaRPr lang="en-US" dirty="0"/>
           </a:p>
@@ -8270,7 +8270,7 @@
           <a:p>
             <a:fld id="{48A87A34-81AB-432B-8DAE-1953F412C126}" type="datetimeFigureOut">
               <a:rPr lang="en-US" dirty="0"/>
-              <a:t>2/11/2019</a:t>
+              <a:t>4/2/2019</a:t>
             </a:fld>
             <a:endParaRPr lang="en-US" dirty="0"/>
           </a:p>
@@ -8360,7 +8360,7 @@
           <a:p>
             <a:fld id="{48A87A34-81AB-432B-8DAE-1953F412C126}" type="datetimeFigureOut">
               <a:rPr lang="en-US" dirty="0"/>
-              <a:t>2/11/2019</a:t>
+              <a:t>4/2/2019</a:t>
             </a:fld>
             <a:endParaRPr lang="en-US" dirty="0"/>
           </a:p>
@@ -8604,7 +8604,7 @@
           <a:p>
             <a:fld id="{48A87A34-81AB-432B-8DAE-1953F412C126}" type="datetimeFigureOut">
               <a:rPr lang="en-US" dirty="0"/>
-              <a:t>2/11/2019</a:t>
+              <a:t>4/2/2019</a:t>
             </a:fld>
             <a:endParaRPr lang="en-US" dirty="0"/>
           </a:p>
@@ -8879,7 +8879,7 @@
           <a:p>
             <a:fld id="{48A87A34-81AB-432B-8DAE-1953F412C126}" type="datetimeFigureOut">
               <a:rPr lang="en-US" dirty="0"/>
-              <a:t>2/11/2019</a:t>
+              <a:t>4/2/2019</a:t>
             </a:fld>
             <a:endParaRPr lang="en-US" dirty="0"/>
           </a:p>
@@ -8990,7 +8990,7 @@
           <a:noFill/>
           <a:extLst>
             <a:ext uri="{909E8E84-426E-40dd-AFC4-6F175D3DCCD1}">
-              <a14:hiddenFill xmlns:a14="http://schemas.microsoft.com/office/drawing/2010/main" xmlns="">
+              <a14:hiddenFill xmlns="" xmlns:a14="http://schemas.microsoft.com/office/drawing/2010/main">
                 <a:solidFill>
                   <a:srgbClr val="FFFFFF"/>
                 </a:solidFill>
@@ -9064,7 +9064,7 @@
               </a:ln>
               <a:extLst>
                 <a:ext uri="{91240B29-F687-4f45-9708-019B960494DF}">
-                  <a14:hiddenLine xmlns:a14="http://schemas.microsoft.com/office/drawing/2010/main" xmlns="" w="9525">
+                  <a14:hiddenLine xmlns="" xmlns:a14="http://schemas.microsoft.com/office/drawing/2010/main" w="9525">
                     <a:solidFill>
                       <a:srgbClr val="000000"/>
                     </a:solidFill>
@@ -9154,7 +9154,7 @@
               </a:ln>
               <a:extLst>
                 <a:ext uri="{91240B29-F687-4f45-9708-019B960494DF}">
-                  <a14:hiddenLine xmlns:a14="http://schemas.microsoft.com/office/drawing/2010/main" xmlns="" w="9525">
+                  <a14:hiddenLine xmlns="" xmlns:a14="http://schemas.microsoft.com/office/drawing/2010/main" w="9525">
                     <a:solidFill>
                       <a:srgbClr val="000000"/>
                     </a:solidFill>
@@ -9244,7 +9244,7 @@
               </a:ln>
               <a:extLst>
                 <a:ext uri="{91240B29-F687-4f45-9708-019B960494DF}">
-                  <a14:hiddenLine xmlns:a14="http://schemas.microsoft.com/office/drawing/2010/main" xmlns="" w="9525">
+                  <a14:hiddenLine xmlns="" xmlns:a14="http://schemas.microsoft.com/office/drawing/2010/main" w="9525">
                     <a:solidFill>
                       <a:srgbClr val="000000"/>
                     </a:solidFill>
@@ -9306,7 +9306,7 @@
               </a:ln>
               <a:extLst>
                 <a:ext uri="{91240B29-F687-4f45-9708-019B960494DF}">
-                  <a14:hiddenLine xmlns:a14="http://schemas.microsoft.com/office/drawing/2010/main" xmlns="" w="9525">
+                  <a14:hiddenLine xmlns="" xmlns:a14="http://schemas.microsoft.com/office/drawing/2010/main" w="9525">
                     <a:solidFill>
                       <a:srgbClr val="000000"/>
                     </a:solidFill>
@@ -9396,7 +9396,7 @@
               </a:ln>
               <a:extLst>
                 <a:ext uri="{91240B29-F687-4f45-9708-019B960494DF}">
-                  <a14:hiddenLine xmlns:a14="http://schemas.microsoft.com/office/drawing/2010/main" xmlns="" w="9525">
+                  <a14:hiddenLine xmlns="" xmlns:a14="http://schemas.microsoft.com/office/drawing/2010/main" w="9525">
                     <a:solidFill>
                       <a:srgbClr val="000000"/>
                     </a:solidFill>
@@ -9458,7 +9458,7 @@
               </a:ln>
               <a:extLst>
                 <a:ext uri="{91240B29-F687-4f45-9708-019B960494DF}">
-                  <a14:hiddenLine xmlns:a14="http://schemas.microsoft.com/office/drawing/2010/main" xmlns="" w="9525">
+                  <a14:hiddenLine xmlns="" xmlns:a14="http://schemas.microsoft.com/office/drawing/2010/main" w="9525">
                     <a:solidFill>
                       <a:srgbClr val="000000"/>
                     </a:solidFill>
@@ -9520,7 +9520,7 @@
               </a:ln>
               <a:extLst>
                 <a:ext uri="{91240B29-F687-4f45-9708-019B960494DF}">
-                  <a14:hiddenLine xmlns:a14="http://schemas.microsoft.com/office/drawing/2010/main" xmlns="" w="9525">
+                  <a14:hiddenLine xmlns="" xmlns:a14="http://schemas.microsoft.com/office/drawing/2010/main" w="9525">
                     <a:solidFill>
                       <a:srgbClr val="000000"/>
                     </a:solidFill>
@@ -9610,7 +9610,7 @@
               </a:ln>
               <a:extLst>
                 <a:ext uri="{91240B29-F687-4f45-9708-019B960494DF}">
-                  <a14:hiddenLine xmlns:a14="http://schemas.microsoft.com/office/drawing/2010/main" xmlns="" w="9525">
+                  <a14:hiddenLine xmlns="" xmlns:a14="http://schemas.microsoft.com/office/drawing/2010/main" w="9525">
                     <a:solidFill>
                       <a:srgbClr val="000000"/>
                     </a:solidFill>
@@ -9700,7 +9700,7 @@
               </a:ln>
               <a:extLst>
                 <a:ext uri="{91240B29-F687-4f45-9708-019B960494DF}">
-                  <a14:hiddenLine xmlns:a14="http://schemas.microsoft.com/office/drawing/2010/main" xmlns="" w="9525">
+                  <a14:hiddenLine xmlns="" xmlns:a14="http://schemas.microsoft.com/office/drawing/2010/main" w="9525">
                     <a:solidFill>
                       <a:srgbClr val="000000"/>
                     </a:solidFill>
@@ -9762,7 +9762,7 @@
               </a:ln>
               <a:extLst>
                 <a:ext uri="{91240B29-F687-4f45-9708-019B960494DF}">
-                  <a14:hiddenLine xmlns:a14="http://schemas.microsoft.com/office/drawing/2010/main" xmlns="" w="9525">
+                  <a14:hiddenLine xmlns="" xmlns:a14="http://schemas.microsoft.com/office/drawing/2010/main" w="9525">
                     <a:solidFill>
                       <a:srgbClr val="000000"/>
                     </a:solidFill>
@@ -9872,7 +9872,7 @@
               </a:ln>
               <a:extLst>
                 <a:ext uri="{91240B29-F687-4f45-9708-019B960494DF}">
-                  <a14:hiddenLine xmlns:a14="http://schemas.microsoft.com/office/drawing/2010/main" xmlns="" w="9525">
+                  <a14:hiddenLine xmlns="" xmlns:a14="http://schemas.microsoft.com/office/drawing/2010/main" w="9525">
                     <a:solidFill>
                       <a:srgbClr val="000000"/>
                     </a:solidFill>
@@ -9956,7 +9956,7 @@
               </a:ln>
               <a:extLst>
                 <a:ext uri="{91240B29-F687-4f45-9708-019B960494DF}">
-                  <a14:hiddenLine xmlns:a14="http://schemas.microsoft.com/office/drawing/2010/main" xmlns="" w="9525">
+                  <a14:hiddenLine xmlns="" xmlns:a14="http://schemas.microsoft.com/office/drawing/2010/main" w="9525">
                     <a:solidFill>
                       <a:srgbClr val="000000"/>
                     </a:solidFill>
@@ -10018,7 +10018,7 @@
               </a:ln>
               <a:extLst>
                 <a:ext uri="{91240B29-F687-4f45-9708-019B960494DF}">
-                  <a14:hiddenLine xmlns:a14="http://schemas.microsoft.com/office/drawing/2010/main" xmlns="" w="9525">
+                  <a14:hiddenLine xmlns="" xmlns:a14="http://schemas.microsoft.com/office/drawing/2010/main" w="9525">
                     <a:solidFill>
                       <a:srgbClr val="000000"/>
                     </a:solidFill>
@@ -10080,7 +10080,7 @@
               </a:ln>
               <a:extLst>
                 <a:ext uri="{91240B29-F687-4f45-9708-019B960494DF}">
-                  <a14:hiddenLine xmlns:a14="http://schemas.microsoft.com/office/drawing/2010/main" xmlns="" w="9525">
+                  <a14:hiddenLine xmlns="" xmlns:a14="http://schemas.microsoft.com/office/drawing/2010/main" w="9525">
                     <a:solidFill>
                       <a:srgbClr val="000000"/>
                     </a:solidFill>
@@ -10170,7 +10170,7 @@
               </a:ln>
               <a:extLst>
                 <a:ext uri="{91240B29-F687-4f45-9708-019B960494DF}">
-                  <a14:hiddenLine xmlns:a14="http://schemas.microsoft.com/office/drawing/2010/main" xmlns="" w="9525">
+                  <a14:hiddenLine xmlns="" xmlns:a14="http://schemas.microsoft.com/office/drawing/2010/main" w="9525">
                     <a:solidFill>
                       <a:srgbClr val="000000"/>
                     </a:solidFill>
@@ -10204,7 +10204,7 @@
               </a:ln>
               <a:extLst>
                 <a:ext uri="{91240B29-F687-4f45-9708-019B960494DF}">
-                  <a14:hiddenLine xmlns:a14="http://schemas.microsoft.com/office/drawing/2010/main" xmlns="" w="9525">
+                  <a14:hiddenLine xmlns="" xmlns:a14="http://schemas.microsoft.com/office/drawing/2010/main" w="9525">
                     <a:solidFill>
                       <a:srgbClr val="000000"/>
                     </a:solidFill>
@@ -10269,7 +10269,7 @@
               </a:ln>
               <a:extLst>
                 <a:ext uri="{91240B29-F687-4f45-9708-019B960494DF}">
-                  <a14:hiddenLine xmlns:a14="http://schemas.microsoft.com/office/drawing/2010/main" xmlns="" w="9525">
+                  <a14:hiddenLine xmlns="" xmlns:a14="http://schemas.microsoft.com/office/drawing/2010/main" w="9525">
                     <a:solidFill>
                       <a:srgbClr val="000000"/>
                     </a:solidFill>
@@ -10359,7 +10359,7 @@
               </a:ln>
               <a:extLst>
                 <a:ext uri="{91240B29-F687-4f45-9708-019B960494DF}">
-                  <a14:hiddenLine xmlns:a14="http://schemas.microsoft.com/office/drawing/2010/main" xmlns="" w="9525">
+                  <a14:hiddenLine xmlns="" xmlns:a14="http://schemas.microsoft.com/office/drawing/2010/main" w="9525">
                     <a:solidFill>
                       <a:srgbClr val="000000"/>
                     </a:solidFill>
@@ -10421,7 +10421,7 @@
               </a:ln>
               <a:extLst>
                 <a:ext uri="{91240B29-F687-4f45-9708-019B960494DF}">
-                  <a14:hiddenLine xmlns:a14="http://schemas.microsoft.com/office/drawing/2010/main" xmlns="" w="9525">
+                  <a14:hiddenLine xmlns="" xmlns:a14="http://schemas.microsoft.com/office/drawing/2010/main" w="9525">
                     <a:solidFill>
                       <a:srgbClr val="000000"/>
                     </a:solidFill>
@@ -10511,7 +10511,7 @@
               </a:ln>
               <a:extLst>
                 <a:ext uri="{91240B29-F687-4f45-9708-019B960494DF}">
-                  <a14:hiddenLine xmlns:a14="http://schemas.microsoft.com/office/drawing/2010/main" xmlns="" w="9525">
+                  <a14:hiddenLine xmlns="" xmlns:a14="http://schemas.microsoft.com/office/drawing/2010/main" w="9525">
                     <a:solidFill>
                       <a:srgbClr val="000000"/>
                     </a:solidFill>
@@ -10576,7 +10576,7 @@
               </a:ln>
               <a:extLst>
                 <a:ext uri="{91240B29-F687-4f45-9708-019B960494DF}">
-                  <a14:hiddenLine xmlns:a14="http://schemas.microsoft.com/office/drawing/2010/main" xmlns="" w="9525">
+                  <a14:hiddenLine xmlns="" xmlns:a14="http://schemas.microsoft.com/office/drawing/2010/main" w="9525">
                     <a:solidFill>
                       <a:srgbClr val="000000"/>
                     </a:solidFill>
@@ -10638,7 +10638,7 @@
               </a:ln>
               <a:extLst>
                 <a:ext uri="{91240B29-F687-4f45-9708-019B960494DF}">
-                  <a14:hiddenLine xmlns:a14="http://schemas.microsoft.com/office/drawing/2010/main" xmlns="" w="9525">
+                  <a14:hiddenLine xmlns="" xmlns:a14="http://schemas.microsoft.com/office/drawing/2010/main" w="9525">
                     <a:solidFill>
                       <a:srgbClr val="000000"/>
                     </a:solidFill>
@@ -10728,7 +10728,7 @@
               </a:ln>
               <a:extLst>
                 <a:ext uri="{91240B29-F687-4f45-9708-019B960494DF}">
-                  <a14:hiddenLine xmlns:a14="http://schemas.microsoft.com/office/drawing/2010/main" xmlns="" w="9525">
+                  <a14:hiddenLine xmlns="" xmlns:a14="http://schemas.microsoft.com/office/drawing/2010/main" w="9525">
                     <a:solidFill>
                       <a:srgbClr val="000000"/>
                     </a:solidFill>
@@ -10818,7 +10818,7 @@
               </a:ln>
               <a:extLst>
                 <a:ext uri="{91240B29-F687-4f45-9708-019B960494DF}">
-                  <a14:hiddenLine xmlns:a14="http://schemas.microsoft.com/office/drawing/2010/main" xmlns="" w="9525">
+                  <a14:hiddenLine xmlns="" xmlns:a14="http://schemas.microsoft.com/office/drawing/2010/main" w="9525">
                     <a:solidFill>
                       <a:srgbClr val="000000"/>
                     </a:solidFill>
@@ -10883,7 +10883,7 @@
               </a:ln>
               <a:extLst>
                 <a:ext uri="{91240B29-F687-4f45-9708-019B960494DF}">
-                  <a14:hiddenLine xmlns:a14="http://schemas.microsoft.com/office/drawing/2010/main" xmlns="" w="9525">
+                  <a14:hiddenLine xmlns="" xmlns:a14="http://schemas.microsoft.com/office/drawing/2010/main" w="9525">
                     <a:solidFill>
                       <a:srgbClr val="000000"/>
                     </a:solidFill>
@@ -11003,7 +11003,7 @@
               </a:ln>
               <a:extLst>
                 <a:ext uri="{91240B29-F687-4f45-9708-019B960494DF}">
-                  <a14:hiddenLine xmlns:a14="http://schemas.microsoft.com/office/drawing/2010/main" xmlns="" w="9525">
+                  <a14:hiddenLine xmlns="" xmlns:a14="http://schemas.microsoft.com/office/drawing/2010/main" w="9525">
                     <a:solidFill>
                       <a:srgbClr val="000000"/>
                     </a:solidFill>
@@ -11101,7 +11101,7 @@
               </a:ln>
               <a:extLst>
                 <a:ext uri="{91240B29-F687-4f45-9708-019B960494DF}">
-                  <a14:hiddenLine xmlns:a14="http://schemas.microsoft.com/office/drawing/2010/main" xmlns="" w="9525">
+                  <a14:hiddenLine xmlns="" xmlns:a14="http://schemas.microsoft.com/office/drawing/2010/main" w="9525">
                     <a:solidFill>
                       <a:srgbClr val="000000"/>
                     </a:solidFill>
@@ -11216,7 +11216,7 @@
               </a:ln>
               <a:extLst>
                 <a:ext uri="{91240B29-F687-4f45-9708-019B960494DF}">
-                  <a14:hiddenLine xmlns:a14="http://schemas.microsoft.com/office/drawing/2010/main" xmlns="" w="9525">
+                  <a14:hiddenLine xmlns="" xmlns:a14="http://schemas.microsoft.com/office/drawing/2010/main" w="9525">
                     <a:solidFill>
                       <a:srgbClr val="000000"/>
                     </a:solidFill>
@@ -11306,7 +11306,7 @@
               </a:ln>
               <a:extLst>
                 <a:ext uri="{91240B29-F687-4f45-9708-019B960494DF}">
-                  <a14:hiddenLine xmlns:a14="http://schemas.microsoft.com/office/drawing/2010/main" xmlns="" w="9525">
+                  <a14:hiddenLine xmlns="" xmlns:a14="http://schemas.microsoft.com/office/drawing/2010/main" w="9525">
                     <a:solidFill>
                       <a:srgbClr val="000000"/>
                     </a:solidFill>
@@ -11371,7 +11371,7 @@
               </a:ln>
               <a:extLst>
                 <a:ext uri="{91240B29-F687-4f45-9708-019B960494DF}">
-                  <a14:hiddenLine xmlns:a14="http://schemas.microsoft.com/office/drawing/2010/main" xmlns="" w="9525">
+                  <a14:hiddenLine xmlns="" xmlns:a14="http://schemas.microsoft.com/office/drawing/2010/main" w="9525">
                     <a:solidFill>
                       <a:srgbClr val="000000"/>
                     </a:solidFill>
@@ -11461,7 +11461,7 @@
               </a:ln>
               <a:extLst>
                 <a:ext uri="{91240B29-F687-4f45-9708-019B960494DF}">
-                  <a14:hiddenLine xmlns:a14="http://schemas.microsoft.com/office/drawing/2010/main" xmlns="" w="9525">
+                  <a14:hiddenLine xmlns="" xmlns:a14="http://schemas.microsoft.com/office/drawing/2010/main" w="9525">
                     <a:solidFill>
                       <a:srgbClr val="000000"/>
                     </a:solidFill>
@@ -11529,7 +11529,7 @@
               </a:ln>
               <a:extLst>
                 <a:ext uri="{91240B29-F687-4f45-9708-019B960494DF}">
-                  <a14:hiddenLine xmlns:a14="http://schemas.microsoft.com/office/drawing/2010/main" xmlns="" w="9525">
+                  <a14:hiddenLine xmlns="" xmlns:a14="http://schemas.microsoft.com/office/drawing/2010/main" w="9525">
                     <a:solidFill>
                       <a:srgbClr val="000000"/>
                     </a:solidFill>
@@ -11619,7 +11619,7 @@
               </a:ln>
               <a:extLst>
                 <a:ext uri="{91240B29-F687-4f45-9708-019B960494DF}">
-                  <a14:hiddenLine xmlns:a14="http://schemas.microsoft.com/office/drawing/2010/main" xmlns="" w="9525">
+                  <a14:hiddenLine xmlns="" xmlns:a14="http://schemas.microsoft.com/office/drawing/2010/main" w="9525">
                     <a:solidFill>
                       <a:srgbClr val="000000"/>
                     </a:solidFill>
@@ -11687,7 +11687,7 @@
               </a:ln>
               <a:extLst>
                 <a:ext uri="{91240B29-F687-4f45-9708-019B960494DF}">
-                  <a14:hiddenLine xmlns:a14="http://schemas.microsoft.com/office/drawing/2010/main" xmlns="" w="9525">
+                  <a14:hiddenLine xmlns="" xmlns:a14="http://schemas.microsoft.com/office/drawing/2010/main" w="9525">
                     <a:solidFill>
                       <a:srgbClr val="000000"/>
                     </a:solidFill>
@@ -11777,7 +11777,7 @@
               </a:ln>
               <a:extLst>
                 <a:ext uri="{91240B29-F687-4f45-9708-019B960494DF}">
-                  <a14:hiddenLine xmlns:a14="http://schemas.microsoft.com/office/drawing/2010/main" xmlns="" w="9525">
+                  <a14:hiddenLine xmlns="" xmlns:a14="http://schemas.microsoft.com/office/drawing/2010/main" w="9525">
                     <a:solidFill>
                       <a:srgbClr val="000000"/>
                     </a:solidFill>
@@ -11811,7 +11811,7 @@
               </a:ln>
               <a:extLst>
                 <a:ext uri="{91240B29-F687-4f45-9708-019B960494DF}">
-                  <a14:hiddenLine xmlns:a14="http://schemas.microsoft.com/office/drawing/2010/main" xmlns="" w="9525">
+                  <a14:hiddenLine xmlns="" xmlns:a14="http://schemas.microsoft.com/office/drawing/2010/main" w="9525">
                     <a:solidFill>
                       <a:srgbClr val="000000"/>
                     </a:solidFill>
@@ -11952,7 +11952,7 @@
             <a:fld id="{48A87A34-81AB-432B-8DAE-1953F412C126}" type="datetimeFigureOut">
               <a:rPr lang="en-US" dirty="0"/>
               <a:pPr/>
-              <a:t>2/11/2019</a:t>
+              <a:t>4/2/2019</a:t>
             </a:fld>
             <a:endParaRPr lang="en-US" dirty="0"/>
           </a:p>
@@ -13088,7 +13088,7 @@
           <a:noFill/>
           <a:extLst>
             <a:ext uri="{909E8E84-426E-40dd-AFC4-6F175D3DCCD1}">
-              <a14:hiddenFill xmlns="" xmlns:a16="http://schemas.microsoft.com/office/drawing/2014/main" xmlns:p14="http://schemas.microsoft.com/office/powerpoint/2010/main" xmlns:a14="http://schemas.microsoft.com/office/drawing/2010/main">
+              <a14:hiddenFill xmlns:a14="http://schemas.microsoft.com/office/drawing/2010/main" xmlns:p14="http://schemas.microsoft.com/office/powerpoint/2010/main" xmlns:a16="http://schemas.microsoft.com/office/drawing/2014/main" xmlns="">
                 <a:solidFill>
                   <a:srgbClr val="FFFFFF"/>
                 </a:solidFill>
@@ -13209,7 +13209,7 @@
               </a:ln>
               <a:extLst>
                 <a:ext uri="{91240B29-F687-4f45-9708-019B960494DF}">
-                  <a14:hiddenLine xmlns="" xmlns:a16="http://schemas.microsoft.com/office/drawing/2014/main" xmlns:p14="http://schemas.microsoft.com/office/powerpoint/2010/main" xmlns:a14="http://schemas.microsoft.com/office/drawing/2010/main" w="9525">
+                  <a14:hiddenLine xmlns:a14="http://schemas.microsoft.com/office/drawing/2010/main" xmlns:p14="http://schemas.microsoft.com/office/powerpoint/2010/main" xmlns:a16="http://schemas.microsoft.com/office/drawing/2014/main" xmlns="" w="9525">
                     <a:solidFill>
                       <a:srgbClr val="000000"/>
                     </a:solidFill>
@@ -13314,7 +13314,7 @@
               </a:ln>
               <a:extLst>
                 <a:ext uri="{91240B29-F687-4f45-9708-019B960494DF}">
-                  <a14:hiddenLine xmlns="" xmlns:a16="http://schemas.microsoft.com/office/drawing/2014/main" xmlns:p14="http://schemas.microsoft.com/office/powerpoint/2010/main" xmlns:a14="http://schemas.microsoft.com/office/drawing/2010/main" w="9525">
+                  <a14:hiddenLine xmlns:a14="http://schemas.microsoft.com/office/drawing/2010/main" xmlns:p14="http://schemas.microsoft.com/office/powerpoint/2010/main" xmlns:a16="http://schemas.microsoft.com/office/drawing/2014/main" xmlns="" w="9525">
                     <a:solidFill>
                       <a:srgbClr val="000000"/>
                     </a:solidFill>
@@ -13419,7 +13419,7 @@
               </a:ln>
               <a:extLst>
                 <a:ext uri="{91240B29-F687-4f45-9708-019B960494DF}">
-                  <a14:hiddenLine xmlns="" xmlns:a16="http://schemas.microsoft.com/office/drawing/2014/main" xmlns:p14="http://schemas.microsoft.com/office/powerpoint/2010/main" xmlns:a14="http://schemas.microsoft.com/office/drawing/2010/main" w="9525">
+                  <a14:hiddenLine xmlns:a14="http://schemas.microsoft.com/office/drawing/2010/main" xmlns:p14="http://schemas.microsoft.com/office/powerpoint/2010/main" xmlns:a16="http://schemas.microsoft.com/office/drawing/2014/main" xmlns="" w="9525">
                     <a:solidFill>
                       <a:srgbClr val="000000"/>
                     </a:solidFill>
@@ -13496,7 +13496,7 @@
               </a:ln>
               <a:extLst>
                 <a:ext uri="{91240B29-F687-4f45-9708-019B960494DF}">
-                  <a14:hiddenLine xmlns="" xmlns:a16="http://schemas.microsoft.com/office/drawing/2014/main" xmlns:p14="http://schemas.microsoft.com/office/powerpoint/2010/main" xmlns:a14="http://schemas.microsoft.com/office/drawing/2010/main" w="9525">
+                  <a14:hiddenLine xmlns:a14="http://schemas.microsoft.com/office/drawing/2010/main" xmlns:p14="http://schemas.microsoft.com/office/powerpoint/2010/main" xmlns:a16="http://schemas.microsoft.com/office/drawing/2014/main" xmlns="" w="9525">
                     <a:solidFill>
                       <a:srgbClr val="000000"/>
                     </a:solidFill>
@@ -13601,7 +13601,7 @@
               </a:ln>
               <a:extLst>
                 <a:ext uri="{91240B29-F687-4f45-9708-019B960494DF}">
-                  <a14:hiddenLine xmlns="" xmlns:a16="http://schemas.microsoft.com/office/drawing/2014/main" xmlns:p14="http://schemas.microsoft.com/office/powerpoint/2010/main" xmlns:a14="http://schemas.microsoft.com/office/drawing/2010/main" w="9525">
+                  <a14:hiddenLine xmlns:a14="http://schemas.microsoft.com/office/drawing/2010/main" xmlns:p14="http://schemas.microsoft.com/office/powerpoint/2010/main" xmlns:a16="http://schemas.microsoft.com/office/drawing/2014/main" xmlns="" w="9525">
                     <a:solidFill>
                       <a:srgbClr val="000000"/>
                     </a:solidFill>
@@ -13678,7 +13678,7 @@
               </a:ln>
               <a:extLst>
                 <a:ext uri="{91240B29-F687-4f45-9708-019B960494DF}">
-                  <a14:hiddenLine xmlns="" xmlns:a16="http://schemas.microsoft.com/office/drawing/2014/main" xmlns:p14="http://schemas.microsoft.com/office/powerpoint/2010/main" xmlns:a14="http://schemas.microsoft.com/office/drawing/2010/main" w="9525">
+                  <a14:hiddenLine xmlns:a14="http://schemas.microsoft.com/office/drawing/2010/main" xmlns:p14="http://schemas.microsoft.com/office/powerpoint/2010/main" xmlns:a16="http://schemas.microsoft.com/office/drawing/2014/main" xmlns="" w="9525">
                     <a:solidFill>
                       <a:srgbClr val="000000"/>
                     </a:solidFill>
@@ -13755,7 +13755,7 @@
               </a:ln>
               <a:extLst>
                 <a:ext uri="{91240B29-F687-4f45-9708-019B960494DF}">
-                  <a14:hiddenLine xmlns="" xmlns:a16="http://schemas.microsoft.com/office/drawing/2014/main" xmlns:p14="http://schemas.microsoft.com/office/powerpoint/2010/main" xmlns:a14="http://schemas.microsoft.com/office/drawing/2010/main" w="9525">
+                  <a14:hiddenLine xmlns:a14="http://schemas.microsoft.com/office/drawing/2010/main" xmlns:p14="http://schemas.microsoft.com/office/powerpoint/2010/main" xmlns:a16="http://schemas.microsoft.com/office/drawing/2014/main" xmlns="" w="9525">
                     <a:solidFill>
                       <a:srgbClr val="000000"/>
                     </a:solidFill>
@@ -13860,7 +13860,7 @@
               </a:ln>
               <a:extLst>
                 <a:ext uri="{91240B29-F687-4f45-9708-019B960494DF}">
-                  <a14:hiddenLine xmlns="" xmlns:a16="http://schemas.microsoft.com/office/drawing/2014/main" xmlns:p14="http://schemas.microsoft.com/office/powerpoint/2010/main" xmlns:a14="http://schemas.microsoft.com/office/drawing/2010/main" w="9525">
+                  <a14:hiddenLine xmlns:a14="http://schemas.microsoft.com/office/drawing/2010/main" xmlns:p14="http://schemas.microsoft.com/office/powerpoint/2010/main" xmlns:a16="http://schemas.microsoft.com/office/drawing/2014/main" xmlns="" w="9525">
                     <a:solidFill>
                       <a:srgbClr val="000000"/>
                     </a:solidFill>
@@ -13965,7 +13965,7 @@
               </a:ln>
               <a:extLst>
                 <a:ext uri="{91240B29-F687-4f45-9708-019B960494DF}">
-                  <a14:hiddenLine xmlns="" xmlns:a16="http://schemas.microsoft.com/office/drawing/2014/main" xmlns:p14="http://schemas.microsoft.com/office/powerpoint/2010/main" xmlns:a14="http://schemas.microsoft.com/office/drawing/2010/main" w="9525">
+                  <a14:hiddenLine xmlns:a14="http://schemas.microsoft.com/office/drawing/2010/main" xmlns:p14="http://schemas.microsoft.com/office/powerpoint/2010/main" xmlns:a16="http://schemas.microsoft.com/office/drawing/2014/main" xmlns="" w="9525">
                     <a:solidFill>
                       <a:srgbClr val="000000"/>
                     </a:solidFill>
@@ -14042,7 +14042,7 @@
               </a:ln>
               <a:extLst>
                 <a:ext uri="{91240B29-F687-4f45-9708-019B960494DF}">
-                  <a14:hiddenLine xmlns="" xmlns:a16="http://schemas.microsoft.com/office/drawing/2014/main" xmlns:p14="http://schemas.microsoft.com/office/powerpoint/2010/main" xmlns:a14="http://schemas.microsoft.com/office/drawing/2010/main" w="9525">
+                  <a14:hiddenLine xmlns:a14="http://schemas.microsoft.com/office/drawing/2010/main" xmlns:p14="http://schemas.microsoft.com/office/powerpoint/2010/main" xmlns:a16="http://schemas.microsoft.com/office/drawing/2014/main" xmlns="" w="9525">
                     <a:solidFill>
                       <a:srgbClr val="000000"/>
                     </a:solidFill>
@@ -14167,7 +14167,7 @@
               </a:ln>
               <a:extLst>
                 <a:ext uri="{91240B29-F687-4f45-9708-019B960494DF}">
-                  <a14:hiddenLine xmlns="" xmlns:a16="http://schemas.microsoft.com/office/drawing/2014/main" xmlns:p14="http://schemas.microsoft.com/office/powerpoint/2010/main" xmlns:a14="http://schemas.microsoft.com/office/drawing/2010/main" w="9525">
+                  <a14:hiddenLine xmlns:a14="http://schemas.microsoft.com/office/drawing/2010/main" xmlns:p14="http://schemas.microsoft.com/office/powerpoint/2010/main" xmlns:a16="http://schemas.microsoft.com/office/drawing/2014/main" xmlns="" w="9525">
                     <a:solidFill>
                       <a:srgbClr val="000000"/>
                     </a:solidFill>
@@ -14281,7 +14281,7 @@
               </a:ln>
               <a:extLst>
                 <a:ext uri="{91240B29-F687-4f45-9708-019B960494DF}">
-                  <a14:hiddenLine xmlns="" xmlns:a16="http://schemas.microsoft.com/office/drawing/2014/main" xmlns:p14="http://schemas.microsoft.com/office/powerpoint/2010/main" xmlns:a14="http://schemas.microsoft.com/office/drawing/2010/main" w="9525">
+                  <a14:hiddenLine xmlns:a14="http://schemas.microsoft.com/office/drawing/2010/main" xmlns:p14="http://schemas.microsoft.com/office/powerpoint/2010/main" xmlns:a16="http://schemas.microsoft.com/office/drawing/2014/main" xmlns="" w="9525">
                     <a:solidFill>
                       <a:srgbClr val="000000"/>
                     </a:solidFill>
@@ -14358,7 +14358,7 @@
               </a:ln>
               <a:extLst>
                 <a:ext uri="{91240B29-F687-4f45-9708-019B960494DF}">
-                  <a14:hiddenLine xmlns="" xmlns:a16="http://schemas.microsoft.com/office/drawing/2014/main" xmlns:p14="http://schemas.microsoft.com/office/powerpoint/2010/main" xmlns:a14="http://schemas.microsoft.com/office/drawing/2010/main" w="9525">
+                  <a14:hiddenLine xmlns:a14="http://schemas.microsoft.com/office/drawing/2010/main" xmlns:p14="http://schemas.microsoft.com/office/powerpoint/2010/main" xmlns:a16="http://schemas.microsoft.com/office/drawing/2014/main" xmlns="" w="9525">
                     <a:solidFill>
                       <a:srgbClr val="000000"/>
                     </a:solidFill>
@@ -14435,7 +14435,7 @@
               </a:ln>
               <a:extLst>
                 <a:ext uri="{91240B29-F687-4f45-9708-019B960494DF}">
-                  <a14:hiddenLine xmlns="" xmlns:a16="http://schemas.microsoft.com/office/drawing/2014/main" xmlns:p14="http://schemas.microsoft.com/office/powerpoint/2010/main" xmlns:a14="http://schemas.microsoft.com/office/drawing/2010/main" w="9525">
+                  <a14:hiddenLine xmlns:a14="http://schemas.microsoft.com/office/drawing/2010/main" xmlns:p14="http://schemas.microsoft.com/office/powerpoint/2010/main" xmlns:a16="http://schemas.microsoft.com/office/drawing/2014/main" xmlns="" w="9525">
                     <a:solidFill>
                       <a:srgbClr val="000000"/>
                     </a:solidFill>
@@ -14540,7 +14540,7 @@
               </a:ln>
               <a:extLst>
                 <a:ext uri="{91240B29-F687-4f45-9708-019B960494DF}">
-                  <a14:hiddenLine xmlns="" xmlns:a16="http://schemas.microsoft.com/office/drawing/2014/main" xmlns:p14="http://schemas.microsoft.com/office/powerpoint/2010/main" xmlns:a14="http://schemas.microsoft.com/office/drawing/2010/main" w="9525">
+                  <a14:hiddenLine xmlns:a14="http://schemas.microsoft.com/office/drawing/2010/main" xmlns:p14="http://schemas.microsoft.com/office/powerpoint/2010/main" xmlns:a16="http://schemas.microsoft.com/office/drawing/2014/main" xmlns="" w="9525">
                     <a:solidFill>
                       <a:srgbClr val="000000"/>
                     </a:solidFill>
@@ -14589,7 +14589,7 @@
               </a:ln>
               <a:extLst>
                 <a:ext uri="{91240B29-F687-4f45-9708-019B960494DF}">
-                  <a14:hiddenLine xmlns="" xmlns:a16="http://schemas.microsoft.com/office/drawing/2014/main" xmlns:p14="http://schemas.microsoft.com/office/powerpoint/2010/main" xmlns:a14="http://schemas.microsoft.com/office/drawing/2010/main" w="9525">
+                  <a14:hiddenLine xmlns:a14="http://schemas.microsoft.com/office/drawing/2010/main" xmlns:p14="http://schemas.microsoft.com/office/powerpoint/2010/main" xmlns:a16="http://schemas.microsoft.com/office/drawing/2014/main" xmlns="" w="9525">
                     <a:solidFill>
                       <a:srgbClr val="000000"/>
                     </a:solidFill>
@@ -14669,7 +14669,7 @@
               </a:ln>
               <a:extLst>
                 <a:ext uri="{91240B29-F687-4f45-9708-019B960494DF}">
-                  <a14:hiddenLine xmlns="" xmlns:a16="http://schemas.microsoft.com/office/drawing/2014/main" xmlns:p14="http://schemas.microsoft.com/office/powerpoint/2010/main" xmlns:a14="http://schemas.microsoft.com/office/drawing/2010/main" w="9525">
+                  <a14:hiddenLine xmlns:a14="http://schemas.microsoft.com/office/drawing/2010/main" xmlns:p14="http://schemas.microsoft.com/office/powerpoint/2010/main" xmlns:a16="http://schemas.microsoft.com/office/drawing/2014/main" xmlns="" w="9525">
                     <a:solidFill>
                       <a:srgbClr val="000000"/>
                     </a:solidFill>
@@ -14774,7 +14774,7 @@
               </a:ln>
               <a:extLst>
                 <a:ext uri="{91240B29-F687-4f45-9708-019B960494DF}">
-                  <a14:hiddenLine xmlns="" xmlns:a16="http://schemas.microsoft.com/office/drawing/2014/main" xmlns:p14="http://schemas.microsoft.com/office/powerpoint/2010/main" xmlns:a14="http://schemas.microsoft.com/office/drawing/2010/main" w="9525">
+                  <a14:hiddenLine xmlns:a14="http://schemas.microsoft.com/office/drawing/2010/main" xmlns:p14="http://schemas.microsoft.com/office/powerpoint/2010/main" xmlns:a16="http://schemas.microsoft.com/office/drawing/2014/main" xmlns="" w="9525">
                     <a:solidFill>
                       <a:srgbClr val="000000"/>
                     </a:solidFill>
@@ -14851,7 +14851,7 @@
               </a:ln>
               <a:extLst>
                 <a:ext uri="{91240B29-F687-4f45-9708-019B960494DF}">
-                  <a14:hiddenLine xmlns="" xmlns:a16="http://schemas.microsoft.com/office/drawing/2014/main" xmlns:p14="http://schemas.microsoft.com/office/powerpoint/2010/main" xmlns:a14="http://schemas.microsoft.com/office/drawing/2010/main" w="9525">
+                  <a14:hiddenLine xmlns:a14="http://schemas.microsoft.com/office/drawing/2010/main" xmlns:p14="http://schemas.microsoft.com/office/powerpoint/2010/main" xmlns:a16="http://schemas.microsoft.com/office/drawing/2014/main" xmlns="" w="9525">
                     <a:solidFill>
                       <a:srgbClr val="000000"/>
                     </a:solidFill>
@@ -14956,7 +14956,7 @@
               </a:ln>
               <a:extLst>
                 <a:ext uri="{91240B29-F687-4f45-9708-019B960494DF}">
-                  <a14:hiddenLine xmlns="" xmlns:a16="http://schemas.microsoft.com/office/drawing/2014/main" xmlns:p14="http://schemas.microsoft.com/office/powerpoint/2010/main" xmlns:a14="http://schemas.microsoft.com/office/drawing/2010/main" w="9525">
+                  <a14:hiddenLine xmlns:a14="http://schemas.microsoft.com/office/drawing/2010/main" xmlns:p14="http://schemas.microsoft.com/office/powerpoint/2010/main" xmlns:a16="http://schemas.microsoft.com/office/drawing/2014/main" xmlns="" w="9525">
                     <a:solidFill>
                       <a:srgbClr val="000000"/>
                     </a:solidFill>
@@ -15036,7 +15036,7 @@
               </a:ln>
               <a:extLst>
                 <a:ext uri="{91240B29-F687-4f45-9708-019B960494DF}">
-                  <a14:hiddenLine xmlns="" xmlns:a16="http://schemas.microsoft.com/office/drawing/2014/main" xmlns:p14="http://schemas.microsoft.com/office/powerpoint/2010/main" xmlns:a14="http://schemas.microsoft.com/office/drawing/2010/main" w="9525">
+                  <a14:hiddenLine xmlns:a14="http://schemas.microsoft.com/office/drawing/2010/main" xmlns:p14="http://schemas.microsoft.com/office/powerpoint/2010/main" xmlns:a16="http://schemas.microsoft.com/office/drawing/2014/main" xmlns="" w="9525">
                     <a:solidFill>
                       <a:srgbClr val="000000"/>
                     </a:solidFill>
@@ -15113,7 +15113,7 @@
               </a:ln>
               <a:extLst>
                 <a:ext uri="{91240B29-F687-4f45-9708-019B960494DF}">
-                  <a14:hiddenLine xmlns="" xmlns:a16="http://schemas.microsoft.com/office/drawing/2014/main" xmlns:p14="http://schemas.microsoft.com/office/powerpoint/2010/main" xmlns:a14="http://schemas.microsoft.com/office/drawing/2010/main" w="9525">
+                  <a14:hiddenLine xmlns:a14="http://schemas.microsoft.com/office/drawing/2010/main" xmlns:p14="http://schemas.microsoft.com/office/powerpoint/2010/main" xmlns:a16="http://schemas.microsoft.com/office/drawing/2014/main" xmlns="" w="9525">
                     <a:solidFill>
                       <a:srgbClr val="000000"/>
                     </a:solidFill>
@@ -15218,7 +15218,7 @@
               </a:ln>
               <a:extLst>
                 <a:ext uri="{91240B29-F687-4f45-9708-019B960494DF}">
-                  <a14:hiddenLine xmlns="" xmlns:a16="http://schemas.microsoft.com/office/drawing/2014/main" xmlns:p14="http://schemas.microsoft.com/office/powerpoint/2010/main" xmlns:a14="http://schemas.microsoft.com/office/drawing/2010/main" w="9525">
+                  <a14:hiddenLine xmlns:a14="http://schemas.microsoft.com/office/drawing/2010/main" xmlns:p14="http://schemas.microsoft.com/office/powerpoint/2010/main" xmlns:a16="http://schemas.microsoft.com/office/drawing/2014/main" xmlns="" w="9525">
                     <a:solidFill>
                       <a:srgbClr val="000000"/>
                     </a:solidFill>
@@ -15323,7 +15323,7 @@
               </a:ln>
               <a:extLst>
                 <a:ext uri="{91240B29-F687-4f45-9708-019B960494DF}">
-                  <a14:hiddenLine xmlns="" xmlns:a16="http://schemas.microsoft.com/office/drawing/2014/main" xmlns:p14="http://schemas.microsoft.com/office/powerpoint/2010/main" xmlns:a14="http://schemas.microsoft.com/office/drawing/2010/main" w="9525">
+                  <a14:hiddenLine xmlns:a14="http://schemas.microsoft.com/office/drawing/2010/main" xmlns:p14="http://schemas.microsoft.com/office/powerpoint/2010/main" xmlns:a16="http://schemas.microsoft.com/office/drawing/2014/main" xmlns="" w="9525">
                     <a:solidFill>
                       <a:srgbClr val="000000"/>
                     </a:solidFill>
@@ -15403,7 +15403,7 @@
               </a:ln>
               <a:extLst>
                 <a:ext uri="{91240B29-F687-4f45-9708-019B960494DF}">
-                  <a14:hiddenLine xmlns="" xmlns:a16="http://schemas.microsoft.com/office/drawing/2014/main" xmlns:p14="http://schemas.microsoft.com/office/powerpoint/2010/main" xmlns:a14="http://schemas.microsoft.com/office/drawing/2010/main" w="9525">
+                  <a14:hiddenLine xmlns:a14="http://schemas.microsoft.com/office/drawing/2010/main" xmlns:p14="http://schemas.microsoft.com/office/powerpoint/2010/main" xmlns:a16="http://schemas.microsoft.com/office/drawing/2014/main" xmlns="" w="9525">
                     <a:solidFill>
                       <a:srgbClr val="000000"/>
                     </a:solidFill>
@@ -15538,7 +15538,7 @@
               </a:ln>
               <a:extLst>
                 <a:ext uri="{91240B29-F687-4f45-9708-019B960494DF}">
-                  <a14:hiddenLine xmlns="" xmlns:a16="http://schemas.microsoft.com/office/drawing/2014/main" xmlns:p14="http://schemas.microsoft.com/office/powerpoint/2010/main" xmlns:a14="http://schemas.microsoft.com/office/drawing/2010/main" w="9525">
+                  <a14:hiddenLine xmlns:a14="http://schemas.microsoft.com/office/drawing/2010/main" xmlns:p14="http://schemas.microsoft.com/office/powerpoint/2010/main" xmlns:a16="http://schemas.microsoft.com/office/drawing/2014/main" xmlns="" w="9525">
                     <a:solidFill>
                       <a:srgbClr val="000000"/>
                     </a:solidFill>
@@ -15666,7 +15666,7 @@
               </a:ln>
               <a:extLst>
                 <a:ext uri="{91240B29-F687-4f45-9708-019B960494DF}">
-                  <a14:hiddenLine xmlns="" xmlns:a16="http://schemas.microsoft.com/office/drawing/2014/main" xmlns:p14="http://schemas.microsoft.com/office/powerpoint/2010/main" xmlns:a14="http://schemas.microsoft.com/office/drawing/2010/main" w="9525">
+                  <a14:hiddenLine xmlns:a14="http://schemas.microsoft.com/office/drawing/2010/main" xmlns:p14="http://schemas.microsoft.com/office/powerpoint/2010/main" xmlns:a16="http://schemas.microsoft.com/office/drawing/2014/main" xmlns="" w="9525">
                     <a:solidFill>
                       <a:srgbClr val="000000"/>
                     </a:solidFill>
@@ -15796,7 +15796,7 @@
               </a:ln>
               <a:extLst>
                 <a:ext uri="{91240B29-F687-4f45-9708-019B960494DF}">
-                  <a14:hiddenLine xmlns="" xmlns:a16="http://schemas.microsoft.com/office/drawing/2014/main" xmlns:p14="http://schemas.microsoft.com/office/powerpoint/2010/main" xmlns:a14="http://schemas.microsoft.com/office/drawing/2010/main" w="9525">
+                  <a14:hiddenLine xmlns:a14="http://schemas.microsoft.com/office/drawing/2010/main" xmlns:p14="http://schemas.microsoft.com/office/powerpoint/2010/main" xmlns:a16="http://schemas.microsoft.com/office/drawing/2014/main" xmlns="" w="9525">
                     <a:solidFill>
                       <a:srgbClr val="000000"/>
                     </a:solidFill>
@@ -15901,7 +15901,7 @@
               </a:ln>
               <a:extLst>
                 <a:ext uri="{91240B29-F687-4f45-9708-019B960494DF}">
-                  <a14:hiddenLine xmlns="" xmlns:a16="http://schemas.microsoft.com/office/drawing/2014/main" xmlns:p14="http://schemas.microsoft.com/office/powerpoint/2010/main" xmlns:a14="http://schemas.microsoft.com/office/drawing/2010/main" w="9525">
+                  <a14:hiddenLine xmlns:a14="http://schemas.microsoft.com/office/drawing/2010/main" xmlns:p14="http://schemas.microsoft.com/office/powerpoint/2010/main" xmlns:a16="http://schemas.microsoft.com/office/drawing/2014/main" xmlns="" w="9525">
                     <a:solidFill>
                       <a:srgbClr val="000000"/>
                     </a:solidFill>
@@ -15981,7 +15981,7 @@
               </a:ln>
               <a:extLst>
                 <a:ext uri="{91240B29-F687-4f45-9708-019B960494DF}">
-                  <a14:hiddenLine xmlns="" xmlns:a16="http://schemas.microsoft.com/office/drawing/2014/main" xmlns:p14="http://schemas.microsoft.com/office/powerpoint/2010/main" xmlns:a14="http://schemas.microsoft.com/office/drawing/2010/main" w="9525">
+                  <a14:hiddenLine xmlns:a14="http://schemas.microsoft.com/office/drawing/2010/main" xmlns:p14="http://schemas.microsoft.com/office/powerpoint/2010/main" xmlns:a16="http://schemas.microsoft.com/office/drawing/2014/main" xmlns="" w="9525">
                     <a:solidFill>
                       <a:srgbClr val="000000"/>
                     </a:solidFill>
@@ -16086,7 +16086,7 @@
               </a:ln>
               <a:extLst>
                 <a:ext uri="{91240B29-F687-4f45-9708-019B960494DF}">
-                  <a14:hiddenLine xmlns="" xmlns:a16="http://schemas.microsoft.com/office/drawing/2014/main" xmlns:p14="http://schemas.microsoft.com/office/powerpoint/2010/main" xmlns:a14="http://schemas.microsoft.com/office/drawing/2010/main" w="9525">
+                  <a14:hiddenLine xmlns:a14="http://schemas.microsoft.com/office/drawing/2010/main" xmlns:p14="http://schemas.microsoft.com/office/powerpoint/2010/main" xmlns:a16="http://schemas.microsoft.com/office/drawing/2014/main" xmlns="" w="9525">
                     <a:solidFill>
                       <a:srgbClr val="000000"/>
                     </a:solidFill>
@@ -16169,7 +16169,7 @@
               </a:ln>
               <a:extLst>
                 <a:ext uri="{91240B29-F687-4f45-9708-019B960494DF}">
-                  <a14:hiddenLine xmlns="" xmlns:a16="http://schemas.microsoft.com/office/drawing/2014/main" xmlns:p14="http://schemas.microsoft.com/office/powerpoint/2010/main" xmlns:a14="http://schemas.microsoft.com/office/drawing/2010/main" w="9525">
+                  <a14:hiddenLine xmlns:a14="http://schemas.microsoft.com/office/drawing/2010/main" xmlns:p14="http://schemas.microsoft.com/office/powerpoint/2010/main" xmlns:a16="http://schemas.microsoft.com/office/drawing/2014/main" xmlns="" w="9525">
                     <a:solidFill>
                       <a:srgbClr val="000000"/>
                     </a:solidFill>
@@ -16274,7 +16274,7 @@
               </a:ln>
               <a:extLst>
                 <a:ext uri="{91240B29-F687-4f45-9708-019B960494DF}">
-                  <a14:hiddenLine xmlns="" xmlns:a16="http://schemas.microsoft.com/office/drawing/2014/main" xmlns:p14="http://schemas.microsoft.com/office/powerpoint/2010/main" xmlns:a14="http://schemas.microsoft.com/office/drawing/2010/main" w="9525">
+                  <a14:hiddenLine xmlns:a14="http://schemas.microsoft.com/office/drawing/2010/main" xmlns:p14="http://schemas.microsoft.com/office/powerpoint/2010/main" xmlns:a16="http://schemas.microsoft.com/office/drawing/2014/main" xmlns="" w="9525">
                     <a:solidFill>
                       <a:srgbClr val="000000"/>
                     </a:solidFill>
@@ -16357,7 +16357,7 @@
               </a:ln>
               <a:extLst>
                 <a:ext uri="{91240B29-F687-4f45-9708-019B960494DF}">
-                  <a14:hiddenLine xmlns="" xmlns:a16="http://schemas.microsoft.com/office/drawing/2014/main" xmlns:p14="http://schemas.microsoft.com/office/powerpoint/2010/main" xmlns:a14="http://schemas.microsoft.com/office/drawing/2010/main" w="9525">
+                  <a14:hiddenLine xmlns:a14="http://schemas.microsoft.com/office/drawing/2010/main" xmlns:p14="http://schemas.microsoft.com/office/powerpoint/2010/main" xmlns:a16="http://schemas.microsoft.com/office/drawing/2014/main" xmlns="" w="9525">
                     <a:solidFill>
                       <a:srgbClr val="000000"/>
                     </a:solidFill>
@@ -16462,7 +16462,7 @@
               </a:ln>
               <a:extLst>
                 <a:ext uri="{91240B29-F687-4f45-9708-019B960494DF}">
-                  <a14:hiddenLine xmlns="" xmlns:a16="http://schemas.microsoft.com/office/drawing/2014/main" xmlns:p14="http://schemas.microsoft.com/office/powerpoint/2010/main" xmlns:a14="http://schemas.microsoft.com/office/drawing/2010/main" w="9525">
+                  <a14:hiddenLine xmlns:a14="http://schemas.microsoft.com/office/drawing/2010/main" xmlns:p14="http://schemas.microsoft.com/office/powerpoint/2010/main" xmlns:a16="http://schemas.microsoft.com/office/drawing/2014/main" xmlns="" w="9525">
                     <a:solidFill>
                       <a:srgbClr val="000000"/>
                     </a:solidFill>
@@ -16511,7 +16511,7 @@
               </a:ln>
               <a:extLst>
                 <a:ext uri="{91240B29-F687-4f45-9708-019B960494DF}">
-                  <a14:hiddenLine xmlns="" xmlns:a16="http://schemas.microsoft.com/office/drawing/2014/main" xmlns:p14="http://schemas.microsoft.com/office/powerpoint/2010/main" xmlns:a14="http://schemas.microsoft.com/office/drawing/2010/main" w="9525">
+                  <a14:hiddenLine xmlns:a14="http://schemas.microsoft.com/office/drawing/2010/main" xmlns:p14="http://schemas.microsoft.com/office/powerpoint/2010/main" xmlns:a16="http://schemas.microsoft.com/office/drawing/2014/main" xmlns="" w="9525">
                     <a:solidFill>
                       <a:srgbClr val="000000"/>
                     </a:solidFill>
@@ -16633,7 +16633,7 @@
           <a:noFill/>
           <a:extLst>
             <a:ext uri="{909E8E84-426E-40dd-AFC4-6F175D3DCCD1}">
-              <a14:hiddenFill xmlns="" xmlns:a16="http://schemas.microsoft.com/office/drawing/2014/main" xmlns:p14="http://schemas.microsoft.com/office/powerpoint/2010/main" xmlns:a14="http://schemas.microsoft.com/office/drawing/2010/main">
+              <a14:hiddenFill xmlns:a14="http://schemas.microsoft.com/office/drawing/2010/main" xmlns:p14="http://schemas.microsoft.com/office/powerpoint/2010/main" xmlns:a16="http://schemas.microsoft.com/office/drawing/2014/main" xmlns="">
                 <a:solidFill>
                   <a:srgbClr val="FFFFFF"/>
                 </a:solidFill>
@@ -16837,7 +16837,7 @@
             </a:ln>
             <a:extLst>
               <a:ext uri="{91240B29-F687-4f45-9708-019B960494DF}">
-                <a14:hiddenLine xmlns="" xmlns:a16="http://schemas.microsoft.com/office/drawing/2014/main" xmlns:p14="http://schemas.microsoft.com/office/powerpoint/2010/main" xmlns:a14="http://schemas.microsoft.com/office/drawing/2010/main" w="9525">
+                <a14:hiddenLine xmlns:a14="http://schemas.microsoft.com/office/drawing/2010/main" xmlns:p14="http://schemas.microsoft.com/office/powerpoint/2010/main" xmlns:a16="http://schemas.microsoft.com/office/drawing/2014/main" xmlns="" w="9525">
                   <a:solidFill>
                     <a:srgbClr val="000000"/>
                   </a:solidFill>
@@ -16942,7 +16942,7 @@
             </a:ln>
             <a:extLst>
               <a:ext uri="{91240B29-F687-4f45-9708-019B960494DF}">
-                <a14:hiddenLine xmlns="" xmlns:a16="http://schemas.microsoft.com/office/drawing/2014/main" xmlns:p14="http://schemas.microsoft.com/office/powerpoint/2010/main" xmlns:a14="http://schemas.microsoft.com/office/drawing/2010/main" w="9525">
+                <a14:hiddenLine xmlns:a14="http://schemas.microsoft.com/office/drawing/2010/main" xmlns:p14="http://schemas.microsoft.com/office/powerpoint/2010/main" xmlns:a16="http://schemas.microsoft.com/office/drawing/2014/main" xmlns="" w="9525">
                   <a:solidFill>
                     <a:srgbClr val="000000"/>
                   </a:solidFill>
@@ -17047,7 +17047,7 @@
             </a:ln>
             <a:extLst>
               <a:ext uri="{91240B29-F687-4f45-9708-019B960494DF}">
-                <a14:hiddenLine xmlns="" xmlns:a16="http://schemas.microsoft.com/office/drawing/2014/main" xmlns:p14="http://schemas.microsoft.com/office/powerpoint/2010/main" xmlns:a14="http://schemas.microsoft.com/office/drawing/2010/main" w="9525">
+                <a14:hiddenLine xmlns:a14="http://schemas.microsoft.com/office/drawing/2010/main" xmlns:p14="http://schemas.microsoft.com/office/powerpoint/2010/main" xmlns:a16="http://schemas.microsoft.com/office/drawing/2014/main" xmlns="" w="9525">
                   <a:solidFill>
                     <a:srgbClr val="000000"/>
                   </a:solidFill>
@@ -17124,7 +17124,7 @@
             </a:ln>
             <a:extLst>
               <a:ext uri="{91240B29-F687-4f45-9708-019B960494DF}">
-                <a14:hiddenLine xmlns="" xmlns:a16="http://schemas.microsoft.com/office/drawing/2014/main" xmlns:p14="http://schemas.microsoft.com/office/powerpoint/2010/main" xmlns:a14="http://schemas.microsoft.com/office/drawing/2010/main" w="9525">
+                <a14:hiddenLine xmlns:a14="http://schemas.microsoft.com/office/drawing/2010/main" xmlns:p14="http://schemas.microsoft.com/office/powerpoint/2010/main" xmlns:a16="http://schemas.microsoft.com/office/drawing/2014/main" xmlns="" w="9525">
                   <a:solidFill>
                     <a:srgbClr val="000000"/>
                   </a:solidFill>
@@ -17229,7 +17229,7 @@
             </a:ln>
             <a:extLst>
               <a:ext uri="{91240B29-F687-4f45-9708-019B960494DF}">
-                <a14:hiddenLine xmlns="" xmlns:a16="http://schemas.microsoft.com/office/drawing/2014/main" xmlns:p14="http://schemas.microsoft.com/office/powerpoint/2010/main" xmlns:a14="http://schemas.microsoft.com/office/drawing/2010/main" w="9525">
+                <a14:hiddenLine xmlns:a14="http://schemas.microsoft.com/office/drawing/2010/main" xmlns:p14="http://schemas.microsoft.com/office/powerpoint/2010/main" xmlns:a16="http://schemas.microsoft.com/office/drawing/2014/main" xmlns="" w="9525">
                   <a:solidFill>
                     <a:srgbClr val="000000"/>
                   </a:solidFill>
@@ -17306,7 +17306,7 @@
             </a:ln>
             <a:extLst>
               <a:ext uri="{91240B29-F687-4f45-9708-019B960494DF}">
-                <a14:hiddenLine xmlns="" xmlns:a16="http://schemas.microsoft.com/office/drawing/2014/main" xmlns:p14="http://schemas.microsoft.com/office/powerpoint/2010/main" xmlns:a14="http://schemas.microsoft.com/office/drawing/2010/main" w="9525">
+                <a14:hiddenLine xmlns:a14="http://schemas.microsoft.com/office/drawing/2010/main" xmlns:p14="http://schemas.microsoft.com/office/powerpoint/2010/main" xmlns:a16="http://schemas.microsoft.com/office/drawing/2014/main" xmlns="" w="9525">
                   <a:solidFill>
                     <a:srgbClr val="000000"/>
                   </a:solidFill>
@@ -17383,7 +17383,7 @@
             </a:ln>
             <a:extLst>
               <a:ext uri="{91240B29-F687-4f45-9708-019B960494DF}">
-                <a14:hiddenLine xmlns="" xmlns:a16="http://schemas.microsoft.com/office/drawing/2014/main" xmlns:p14="http://schemas.microsoft.com/office/powerpoint/2010/main" xmlns:a14="http://schemas.microsoft.com/office/drawing/2010/main" w="9525">
+                <a14:hiddenLine xmlns:a14="http://schemas.microsoft.com/office/drawing/2010/main" xmlns:p14="http://schemas.microsoft.com/office/powerpoint/2010/main" xmlns:a16="http://schemas.microsoft.com/office/drawing/2014/main" xmlns="" w="9525">
                   <a:solidFill>
                     <a:srgbClr val="000000"/>
                   </a:solidFill>
@@ -17488,7 +17488,7 @@
             </a:ln>
             <a:extLst>
               <a:ext uri="{91240B29-F687-4f45-9708-019B960494DF}">
-                <a14:hiddenLine xmlns="" xmlns:a16="http://schemas.microsoft.com/office/drawing/2014/main" xmlns:p14="http://schemas.microsoft.com/office/powerpoint/2010/main" xmlns:a14="http://schemas.microsoft.com/office/drawing/2010/main" w="9525">
+                <a14:hiddenLine xmlns:a14="http://schemas.microsoft.com/office/drawing/2010/main" xmlns:p14="http://schemas.microsoft.com/office/powerpoint/2010/main" xmlns:a16="http://schemas.microsoft.com/office/drawing/2014/main" xmlns="" w="9525">
                   <a:solidFill>
                     <a:srgbClr val="000000"/>
                   </a:solidFill>
@@ -17593,7 +17593,7 @@
             </a:ln>
             <a:extLst>
               <a:ext uri="{91240B29-F687-4f45-9708-019B960494DF}">
-                <a14:hiddenLine xmlns="" xmlns:a16="http://schemas.microsoft.com/office/drawing/2014/main" xmlns:p14="http://schemas.microsoft.com/office/powerpoint/2010/main" xmlns:a14="http://schemas.microsoft.com/office/drawing/2010/main" w="9525">
+                <a14:hiddenLine xmlns:a14="http://schemas.microsoft.com/office/drawing/2010/main" xmlns:p14="http://schemas.microsoft.com/office/powerpoint/2010/main" xmlns:a16="http://schemas.microsoft.com/office/drawing/2014/main" xmlns="" w="9525">
                   <a:solidFill>
                     <a:srgbClr val="000000"/>
                   </a:solidFill>
@@ -17670,7 +17670,7 @@
             </a:ln>
             <a:extLst>
               <a:ext uri="{91240B29-F687-4f45-9708-019B960494DF}">
-                <a14:hiddenLine xmlns="" xmlns:a16="http://schemas.microsoft.com/office/drawing/2014/main" xmlns:p14="http://schemas.microsoft.com/office/powerpoint/2010/main" xmlns:a14="http://schemas.microsoft.com/office/drawing/2010/main" w="9525">
+                <a14:hiddenLine xmlns:a14="http://schemas.microsoft.com/office/drawing/2010/main" xmlns:p14="http://schemas.microsoft.com/office/powerpoint/2010/main" xmlns:a16="http://schemas.microsoft.com/office/drawing/2014/main" xmlns="" w="9525">
                   <a:solidFill>
                     <a:srgbClr val="000000"/>
                   </a:solidFill>
@@ -17795,7 +17795,7 @@
             </a:ln>
             <a:extLst>
               <a:ext uri="{91240B29-F687-4f45-9708-019B960494DF}">
-                <a14:hiddenLine xmlns="" xmlns:a16="http://schemas.microsoft.com/office/drawing/2014/main" xmlns:p14="http://schemas.microsoft.com/office/powerpoint/2010/main" xmlns:a14="http://schemas.microsoft.com/office/drawing/2010/main" w="9525">
+                <a14:hiddenLine xmlns:a14="http://schemas.microsoft.com/office/drawing/2010/main" xmlns:p14="http://schemas.microsoft.com/office/powerpoint/2010/main" xmlns:a16="http://schemas.microsoft.com/office/drawing/2014/main" xmlns="" w="9525">
                   <a:solidFill>
                     <a:srgbClr val="000000"/>
                   </a:solidFill>
@@ -17909,7 +17909,7 @@
             </a:ln>
             <a:extLst>
               <a:ext uri="{91240B29-F687-4f45-9708-019B960494DF}">
-                <a14:hiddenLine xmlns="" xmlns:a16="http://schemas.microsoft.com/office/drawing/2014/main" xmlns:p14="http://schemas.microsoft.com/office/powerpoint/2010/main" xmlns:a14="http://schemas.microsoft.com/office/drawing/2010/main" w="9525">
+                <a14:hiddenLine xmlns:a14="http://schemas.microsoft.com/office/drawing/2010/main" xmlns:p14="http://schemas.microsoft.com/office/powerpoint/2010/main" xmlns:a16="http://schemas.microsoft.com/office/drawing/2014/main" xmlns="" w="9525">
                   <a:solidFill>
                     <a:srgbClr val="000000"/>
                   </a:solidFill>
@@ -17986,7 +17986,7 @@
             </a:ln>
             <a:extLst>
               <a:ext uri="{91240B29-F687-4f45-9708-019B960494DF}">
-                <a14:hiddenLine xmlns="" xmlns:a16="http://schemas.microsoft.com/office/drawing/2014/main" xmlns:p14="http://schemas.microsoft.com/office/powerpoint/2010/main" xmlns:a14="http://schemas.microsoft.com/office/drawing/2010/main" w="9525">
+                <a14:hiddenLine xmlns:a14="http://schemas.microsoft.com/office/drawing/2010/main" xmlns:p14="http://schemas.microsoft.com/office/powerpoint/2010/main" xmlns:a16="http://schemas.microsoft.com/office/drawing/2014/main" xmlns="" w="9525">
                   <a:solidFill>
                     <a:srgbClr val="000000"/>
                   </a:solidFill>
@@ -18063,7 +18063,7 @@
             </a:ln>
             <a:extLst>
               <a:ext uri="{91240B29-F687-4f45-9708-019B960494DF}">
-                <a14:hiddenLine xmlns="" xmlns:a16="http://schemas.microsoft.com/office/drawing/2014/main" xmlns:p14="http://schemas.microsoft.com/office/powerpoint/2010/main" xmlns:a14="http://schemas.microsoft.com/office/drawing/2010/main" w="9525">
+                <a14:hiddenLine xmlns:a14="http://schemas.microsoft.com/office/drawing/2010/main" xmlns:p14="http://schemas.microsoft.com/office/powerpoint/2010/main" xmlns:a16="http://schemas.microsoft.com/office/drawing/2014/main" xmlns="" w="9525">
                   <a:solidFill>
                     <a:srgbClr val="000000"/>
                   </a:solidFill>
@@ -18168,7 +18168,7 @@
             </a:ln>
             <a:extLst>
               <a:ext uri="{91240B29-F687-4f45-9708-019B960494DF}">
-                <a14:hiddenLine xmlns="" xmlns:a16="http://schemas.microsoft.com/office/drawing/2014/main" xmlns:p14="http://schemas.microsoft.com/office/powerpoint/2010/main" xmlns:a14="http://schemas.microsoft.com/office/drawing/2010/main" w="9525">
+                <a14:hiddenLine xmlns:a14="http://schemas.microsoft.com/office/drawing/2010/main" xmlns:p14="http://schemas.microsoft.com/office/powerpoint/2010/main" xmlns:a16="http://schemas.microsoft.com/office/drawing/2014/main" xmlns="" w="9525">
                   <a:solidFill>
                     <a:srgbClr val="000000"/>
                   </a:solidFill>
@@ -18217,7 +18217,7 @@
             </a:ln>
             <a:extLst>
               <a:ext uri="{91240B29-F687-4f45-9708-019B960494DF}">
-                <a14:hiddenLine xmlns="" xmlns:a16="http://schemas.microsoft.com/office/drawing/2014/main" xmlns:p14="http://schemas.microsoft.com/office/powerpoint/2010/main" xmlns:a14="http://schemas.microsoft.com/office/drawing/2010/main" w="9525">
+                <a14:hiddenLine xmlns:a14="http://schemas.microsoft.com/office/drawing/2010/main" xmlns:p14="http://schemas.microsoft.com/office/powerpoint/2010/main" xmlns:a16="http://schemas.microsoft.com/office/drawing/2014/main" xmlns="" w="9525">
                   <a:solidFill>
                     <a:srgbClr val="000000"/>
                   </a:solidFill>
@@ -18297,7 +18297,7 @@
             </a:ln>
             <a:extLst>
               <a:ext uri="{91240B29-F687-4f45-9708-019B960494DF}">
-                <a14:hiddenLine xmlns="" xmlns:a16="http://schemas.microsoft.com/office/drawing/2014/main" xmlns:p14="http://schemas.microsoft.com/office/powerpoint/2010/main" xmlns:a14="http://schemas.microsoft.com/office/drawing/2010/main" w="9525">
+                <a14:hiddenLine xmlns:a14="http://schemas.microsoft.com/office/drawing/2010/main" xmlns:p14="http://schemas.microsoft.com/office/powerpoint/2010/main" xmlns:a16="http://schemas.microsoft.com/office/drawing/2014/main" xmlns="" w="9525">
                   <a:solidFill>
                     <a:srgbClr val="000000"/>
                   </a:solidFill>
@@ -18402,7 +18402,7 @@
             </a:ln>
             <a:extLst>
               <a:ext uri="{91240B29-F687-4f45-9708-019B960494DF}">
-                <a14:hiddenLine xmlns="" xmlns:a16="http://schemas.microsoft.com/office/drawing/2014/main" xmlns:p14="http://schemas.microsoft.com/office/powerpoint/2010/main" xmlns:a14="http://schemas.microsoft.com/office/drawing/2010/main" w="9525">
+                <a14:hiddenLine xmlns:a14="http://schemas.microsoft.com/office/drawing/2010/main" xmlns:p14="http://schemas.microsoft.com/office/powerpoint/2010/main" xmlns:a16="http://schemas.microsoft.com/office/drawing/2014/main" xmlns="" w="9525">
                   <a:solidFill>
                     <a:srgbClr val="000000"/>
                   </a:solidFill>
@@ -18479,7 +18479,7 @@
             </a:ln>
             <a:extLst>
               <a:ext uri="{91240B29-F687-4f45-9708-019B960494DF}">
-                <a14:hiddenLine xmlns="" xmlns:a16="http://schemas.microsoft.com/office/drawing/2014/main" xmlns:p14="http://schemas.microsoft.com/office/powerpoint/2010/main" xmlns:a14="http://schemas.microsoft.com/office/drawing/2010/main" w="9525">
+                <a14:hiddenLine xmlns:a14="http://schemas.microsoft.com/office/drawing/2010/main" xmlns:p14="http://schemas.microsoft.com/office/powerpoint/2010/main" xmlns:a16="http://schemas.microsoft.com/office/drawing/2014/main" xmlns="" w="9525">
                   <a:solidFill>
                     <a:srgbClr val="000000"/>
                   </a:solidFill>
@@ -18584,7 +18584,7 @@
             </a:ln>
             <a:extLst>
               <a:ext uri="{91240B29-F687-4f45-9708-019B960494DF}">
-                <a14:hiddenLine xmlns="" xmlns:a16="http://schemas.microsoft.com/office/drawing/2014/main" xmlns:p14="http://schemas.microsoft.com/office/powerpoint/2010/main" xmlns:a14="http://schemas.microsoft.com/office/drawing/2010/main" w="9525">
+                <a14:hiddenLine xmlns:a14="http://schemas.microsoft.com/office/drawing/2010/main" xmlns:p14="http://schemas.microsoft.com/office/powerpoint/2010/main" xmlns:a16="http://schemas.microsoft.com/office/drawing/2014/main" xmlns="" w="9525">
                   <a:solidFill>
                     <a:srgbClr val="000000"/>
                   </a:solidFill>
@@ -18664,7 +18664,7 @@
             </a:ln>
             <a:extLst>
               <a:ext uri="{91240B29-F687-4f45-9708-019B960494DF}">
-                <a14:hiddenLine xmlns="" xmlns:a16="http://schemas.microsoft.com/office/drawing/2014/main" xmlns:p14="http://schemas.microsoft.com/office/powerpoint/2010/main" xmlns:a14="http://schemas.microsoft.com/office/drawing/2010/main" w="9525">
+                <a14:hiddenLine xmlns:a14="http://schemas.microsoft.com/office/drawing/2010/main" xmlns:p14="http://schemas.microsoft.com/office/powerpoint/2010/main" xmlns:a16="http://schemas.microsoft.com/office/drawing/2014/main" xmlns="" w="9525">
                   <a:solidFill>
                     <a:srgbClr val="000000"/>
                   </a:solidFill>
@@ -18741,7 +18741,7 @@
             </a:ln>
             <a:extLst>
               <a:ext uri="{91240B29-F687-4f45-9708-019B960494DF}">
-                <a14:hiddenLine xmlns="" xmlns:a16="http://schemas.microsoft.com/office/drawing/2014/main" xmlns:p14="http://schemas.microsoft.com/office/powerpoint/2010/main" xmlns:a14="http://schemas.microsoft.com/office/drawing/2010/main" w="9525">
+                <a14:hiddenLine xmlns:a14="http://schemas.microsoft.com/office/drawing/2010/main" xmlns:p14="http://schemas.microsoft.com/office/powerpoint/2010/main" xmlns:a16="http://schemas.microsoft.com/office/drawing/2014/main" xmlns="" w="9525">
                   <a:solidFill>
                     <a:srgbClr val="000000"/>
                   </a:solidFill>
@@ -18846,7 +18846,7 @@
             </a:ln>
             <a:extLst>
               <a:ext uri="{91240B29-F687-4f45-9708-019B960494DF}">
-                <a14:hiddenLine xmlns="" xmlns:a16="http://schemas.microsoft.com/office/drawing/2014/main" xmlns:p14="http://schemas.microsoft.com/office/powerpoint/2010/main" xmlns:a14="http://schemas.microsoft.com/office/drawing/2010/main" w="9525">
+                <a14:hiddenLine xmlns:a14="http://schemas.microsoft.com/office/drawing/2010/main" xmlns:p14="http://schemas.microsoft.com/office/powerpoint/2010/main" xmlns:a16="http://schemas.microsoft.com/office/drawing/2014/main" xmlns="" w="9525">
                   <a:solidFill>
                     <a:srgbClr val="000000"/>
                   </a:solidFill>
@@ -18951,7 +18951,7 @@
             </a:ln>
             <a:extLst>
               <a:ext uri="{91240B29-F687-4f45-9708-019B960494DF}">
-                <a14:hiddenLine xmlns="" xmlns:a16="http://schemas.microsoft.com/office/drawing/2014/main" xmlns:p14="http://schemas.microsoft.com/office/powerpoint/2010/main" xmlns:a14="http://schemas.microsoft.com/office/drawing/2010/main" w="9525">
+                <a14:hiddenLine xmlns:a14="http://schemas.microsoft.com/office/drawing/2010/main" xmlns:p14="http://schemas.microsoft.com/office/powerpoint/2010/main" xmlns:a16="http://schemas.microsoft.com/office/drawing/2014/main" xmlns="" w="9525">
                   <a:solidFill>
                     <a:srgbClr val="000000"/>
                   </a:solidFill>
@@ -19031,7 +19031,7 @@
             </a:ln>
             <a:extLst>
               <a:ext uri="{91240B29-F687-4f45-9708-019B960494DF}">
-                <a14:hiddenLine xmlns="" xmlns:a16="http://schemas.microsoft.com/office/drawing/2014/main" xmlns:p14="http://schemas.microsoft.com/office/powerpoint/2010/main" xmlns:a14="http://schemas.microsoft.com/office/drawing/2010/main" w="9525">
+                <a14:hiddenLine xmlns:a14="http://schemas.microsoft.com/office/drawing/2010/main" xmlns:p14="http://schemas.microsoft.com/office/powerpoint/2010/main" xmlns:a16="http://schemas.microsoft.com/office/drawing/2014/main" xmlns="" w="9525">
                   <a:solidFill>
                     <a:srgbClr val="000000"/>
                   </a:solidFill>
@@ -19166,7 +19166,7 @@
             </a:ln>
             <a:extLst>
               <a:ext uri="{91240B29-F687-4f45-9708-019B960494DF}">
-                <a14:hiddenLine xmlns="" xmlns:a16="http://schemas.microsoft.com/office/drawing/2014/main" xmlns:p14="http://schemas.microsoft.com/office/powerpoint/2010/main" xmlns:a14="http://schemas.microsoft.com/office/drawing/2010/main" w="9525">
+                <a14:hiddenLine xmlns:a14="http://schemas.microsoft.com/office/drawing/2010/main" xmlns:p14="http://schemas.microsoft.com/office/powerpoint/2010/main" xmlns:a16="http://schemas.microsoft.com/office/drawing/2014/main" xmlns="" w="9525">
                   <a:solidFill>
                     <a:srgbClr val="000000"/>
                   </a:solidFill>
@@ -20640,7 +20640,7 @@
             <a:noFill/>
             <a:extLst>
               <a:ext uri="{909E8E84-426E-40dd-AFC4-6F175D3DCCD1}">
-                <a14:hiddenFill xmlns="" xmlns:a16="http://schemas.microsoft.com/office/drawing/2014/main" xmlns:a14="http://schemas.microsoft.com/office/drawing/2010/main" xmlns:p14="http://schemas.microsoft.com/office/powerpoint/2010/main">
+                <a14:hiddenFill xmlns:p14="http://schemas.microsoft.com/office/powerpoint/2010/main" xmlns:a14="http://schemas.microsoft.com/office/drawing/2010/main" xmlns:a16="http://schemas.microsoft.com/office/drawing/2014/main" xmlns="">
                   <a:solidFill>
                     <a:srgbClr val="FFFFFF"/>
                   </a:solidFill>
@@ -20804,7 +20804,7 @@
             </a:ln>
             <a:extLst>
               <a:ext uri="{91240B29-F687-4f45-9708-019B960494DF}">
-                <a14:hiddenLine xmlns="" xmlns:a16="http://schemas.microsoft.com/office/drawing/2014/main" xmlns:a14="http://schemas.microsoft.com/office/drawing/2010/main" xmlns:p14="http://schemas.microsoft.com/office/powerpoint/2010/main" w="9525">
+                <a14:hiddenLine xmlns:p14="http://schemas.microsoft.com/office/powerpoint/2010/main" xmlns:a14="http://schemas.microsoft.com/office/drawing/2010/main" xmlns:a16="http://schemas.microsoft.com/office/drawing/2014/main" xmlns="" w="9525">
                   <a:solidFill>
                     <a:srgbClr val="000000"/>
                   </a:solidFill>
@@ -20909,7 +20909,7 @@
             </a:ln>
             <a:extLst>
               <a:ext uri="{91240B29-F687-4f45-9708-019B960494DF}">
-                <a14:hiddenLine xmlns="" xmlns:a16="http://schemas.microsoft.com/office/drawing/2014/main" xmlns:a14="http://schemas.microsoft.com/office/drawing/2010/main" xmlns:p14="http://schemas.microsoft.com/office/powerpoint/2010/main" w="9525">
+                <a14:hiddenLine xmlns:p14="http://schemas.microsoft.com/office/powerpoint/2010/main" xmlns:a14="http://schemas.microsoft.com/office/drawing/2010/main" xmlns:a16="http://schemas.microsoft.com/office/drawing/2014/main" xmlns="" w="9525">
                   <a:solidFill>
                     <a:srgbClr val="000000"/>
                   </a:solidFill>
@@ -21014,7 +21014,7 @@
             </a:ln>
             <a:extLst>
               <a:ext uri="{91240B29-F687-4f45-9708-019B960494DF}">
-                <a14:hiddenLine xmlns="" xmlns:a16="http://schemas.microsoft.com/office/drawing/2014/main" xmlns:a14="http://schemas.microsoft.com/office/drawing/2010/main" xmlns:p14="http://schemas.microsoft.com/office/powerpoint/2010/main" w="9525">
+                <a14:hiddenLine xmlns:p14="http://schemas.microsoft.com/office/powerpoint/2010/main" xmlns:a14="http://schemas.microsoft.com/office/drawing/2010/main" xmlns:a16="http://schemas.microsoft.com/office/drawing/2014/main" xmlns="" w="9525">
                   <a:solidFill>
                     <a:srgbClr val="000000"/>
                   </a:solidFill>
@@ -21063,7 +21063,7 @@
             </a:ln>
             <a:extLst>
               <a:ext uri="{91240B29-F687-4f45-9708-019B960494DF}">
-                <a14:hiddenLine xmlns="" xmlns:a16="http://schemas.microsoft.com/office/drawing/2014/main" xmlns:a14="http://schemas.microsoft.com/office/drawing/2010/main" xmlns:p14="http://schemas.microsoft.com/office/powerpoint/2010/main" w="9525">
+                <a14:hiddenLine xmlns:p14="http://schemas.microsoft.com/office/powerpoint/2010/main" xmlns:a14="http://schemas.microsoft.com/office/drawing/2010/main" xmlns:a16="http://schemas.microsoft.com/office/drawing/2014/main" xmlns="" w="9525">
                   <a:solidFill>
                     <a:srgbClr val="000000"/>
                   </a:solidFill>
@@ -21168,7 +21168,7 @@
             </a:ln>
             <a:extLst>
               <a:ext uri="{91240B29-F687-4f45-9708-019B960494DF}">
-                <a14:hiddenLine xmlns="" xmlns:a16="http://schemas.microsoft.com/office/drawing/2014/main" xmlns:a14="http://schemas.microsoft.com/office/drawing/2010/main" xmlns:p14="http://schemas.microsoft.com/office/powerpoint/2010/main" w="9525">
+                <a14:hiddenLine xmlns:p14="http://schemas.microsoft.com/office/powerpoint/2010/main" xmlns:a14="http://schemas.microsoft.com/office/drawing/2010/main" xmlns:a16="http://schemas.microsoft.com/office/drawing/2014/main" xmlns="" w="9525">
                   <a:solidFill>
                     <a:srgbClr val="000000"/>
                   </a:solidFill>
@@ -21245,7 +21245,7 @@
             </a:ln>
             <a:extLst>
               <a:ext uri="{91240B29-F687-4f45-9708-019B960494DF}">
-                <a14:hiddenLine xmlns="" xmlns:a16="http://schemas.microsoft.com/office/drawing/2014/main" xmlns:a14="http://schemas.microsoft.com/office/drawing/2010/main" xmlns:p14="http://schemas.microsoft.com/office/powerpoint/2010/main" w="9525">
+                <a14:hiddenLine xmlns:p14="http://schemas.microsoft.com/office/powerpoint/2010/main" xmlns:a14="http://schemas.microsoft.com/office/drawing/2010/main" xmlns:a16="http://schemas.microsoft.com/office/drawing/2014/main" xmlns="" w="9525">
                   <a:solidFill>
                     <a:srgbClr val="000000"/>
                   </a:solidFill>
@@ -21322,7 +21322,7 @@
             </a:ln>
             <a:extLst>
               <a:ext uri="{91240B29-F687-4f45-9708-019B960494DF}">
-                <a14:hiddenLine xmlns="" xmlns:a16="http://schemas.microsoft.com/office/drawing/2014/main" xmlns:a14="http://schemas.microsoft.com/office/drawing/2010/main" xmlns:p14="http://schemas.microsoft.com/office/powerpoint/2010/main" w="9525">
+                <a14:hiddenLine xmlns:p14="http://schemas.microsoft.com/office/powerpoint/2010/main" xmlns:a14="http://schemas.microsoft.com/office/drawing/2010/main" xmlns:a16="http://schemas.microsoft.com/office/drawing/2014/main" xmlns="" w="9525">
                   <a:solidFill>
                     <a:srgbClr val="000000"/>
                   </a:solidFill>
@@ -21427,7 +21427,7 @@
             </a:ln>
             <a:extLst>
               <a:ext uri="{91240B29-F687-4f45-9708-019B960494DF}">
-                <a14:hiddenLine xmlns="" xmlns:a16="http://schemas.microsoft.com/office/drawing/2014/main" xmlns:a14="http://schemas.microsoft.com/office/drawing/2010/main" xmlns:p14="http://schemas.microsoft.com/office/powerpoint/2010/main" w="9525">
+                <a14:hiddenLine xmlns:p14="http://schemas.microsoft.com/office/powerpoint/2010/main" xmlns:a14="http://schemas.microsoft.com/office/drawing/2010/main" xmlns:a16="http://schemas.microsoft.com/office/drawing/2014/main" xmlns="" w="9525">
                   <a:solidFill>
                     <a:srgbClr val="000000"/>
                   </a:solidFill>
@@ -21504,7 +21504,7 @@
             </a:ln>
             <a:extLst>
               <a:ext uri="{91240B29-F687-4f45-9708-019B960494DF}">
-                <a14:hiddenLine xmlns="" xmlns:a16="http://schemas.microsoft.com/office/drawing/2014/main" xmlns:a14="http://schemas.microsoft.com/office/drawing/2010/main" xmlns:p14="http://schemas.microsoft.com/office/powerpoint/2010/main" w="9525">
+                <a14:hiddenLine xmlns:p14="http://schemas.microsoft.com/office/powerpoint/2010/main" xmlns:a14="http://schemas.microsoft.com/office/drawing/2010/main" xmlns:a16="http://schemas.microsoft.com/office/drawing/2014/main" xmlns="" w="9525">
                   <a:solidFill>
                     <a:srgbClr val="000000"/>
                   </a:solidFill>
@@ -21581,7 +21581,7 @@
             </a:ln>
             <a:extLst>
               <a:ext uri="{91240B29-F687-4f45-9708-019B960494DF}">
-                <a14:hiddenLine xmlns="" xmlns:a16="http://schemas.microsoft.com/office/drawing/2014/main" xmlns:a14="http://schemas.microsoft.com/office/drawing/2010/main" xmlns:p14="http://schemas.microsoft.com/office/powerpoint/2010/main" w="9525">
+                <a14:hiddenLine xmlns:p14="http://schemas.microsoft.com/office/powerpoint/2010/main" xmlns:a14="http://schemas.microsoft.com/office/drawing/2010/main" xmlns:a16="http://schemas.microsoft.com/office/drawing/2014/main" xmlns="" w="9525">
                   <a:solidFill>
                     <a:srgbClr val="000000"/>
                   </a:solidFill>
@@ -21686,7 +21686,7 @@
             </a:ln>
             <a:extLst>
               <a:ext uri="{91240B29-F687-4f45-9708-019B960494DF}">
-                <a14:hiddenLine xmlns="" xmlns:a16="http://schemas.microsoft.com/office/drawing/2014/main" xmlns:a14="http://schemas.microsoft.com/office/drawing/2010/main" xmlns:p14="http://schemas.microsoft.com/office/powerpoint/2010/main" w="9525">
+                <a14:hiddenLine xmlns:p14="http://schemas.microsoft.com/office/powerpoint/2010/main" xmlns:a14="http://schemas.microsoft.com/office/drawing/2010/main" xmlns:a16="http://schemas.microsoft.com/office/drawing/2014/main" xmlns="" w="9525">
                   <a:solidFill>
                     <a:srgbClr val="000000"/>
                   </a:solidFill>
@@ -21791,7 +21791,7 @@
             </a:ln>
             <a:extLst>
               <a:ext uri="{91240B29-F687-4f45-9708-019B960494DF}">
-                <a14:hiddenLine xmlns="" xmlns:a16="http://schemas.microsoft.com/office/drawing/2014/main" xmlns:a14="http://schemas.microsoft.com/office/drawing/2010/main" xmlns:p14="http://schemas.microsoft.com/office/powerpoint/2010/main" w="9525">
+                <a14:hiddenLine xmlns:p14="http://schemas.microsoft.com/office/powerpoint/2010/main" xmlns:a14="http://schemas.microsoft.com/office/drawing/2010/main" xmlns:a16="http://schemas.microsoft.com/office/drawing/2014/main" xmlns="" w="9525">
                   <a:solidFill>
                     <a:srgbClr val="000000"/>
                   </a:solidFill>
@@ -21868,7 +21868,7 @@
             </a:ln>
             <a:extLst>
               <a:ext uri="{91240B29-F687-4f45-9708-019B960494DF}">
-                <a14:hiddenLine xmlns="" xmlns:a16="http://schemas.microsoft.com/office/drawing/2014/main" xmlns:a14="http://schemas.microsoft.com/office/drawing/2010/main" xmlns:p14="http://schemas.microsoft.com/office/powerpoint/2010/main" w="9525">
+                <a14:hiddenLine xmlns:p14="http://schemas.microsoft.com/office/powerpoint/2010/main" xmlns:a14="http://schemas.microsoft.com/office/drawing/2010/main" xmlns:a16="http://schemas.microsoft.com/office/drawing/2014/main" xmlns="" w="9525">
                   <a:solidFill>
                     <a:srgbClr val="000000"/>
                   </a:solidFill>
@@ -21993,7 +21993,7 @@
             </a:ln>
             <a:extLst>
               <a:ext uri="{91240B29-F687-4f45-9708-019B960494DF}">
-                <a14:hiddenLine xmlns="" xmlns:a16="http://schemas.microsoft.com/office/drawing/2014/main" xmlns:a14="http://schemas.microsoft.com/office/drawing/2010/main" xmlns:p14="http://schemas.microsoft.com/office/powerpoint/2010/main" w="9525">
+                <a14:hiddenLine xmlns:p14="http://schemas.microsoft.com/office/powerpoint/2010/main" xmlns:a14="http://schemas.microsoft.com/office/drawing/2010/main" xmlns:a16="http://schemas.microsoft.com/office/drawing/2014/main" xmlns="" w="9525">
                   <a:solidFill>
                     <a:srgbClr val="000000"/>
                   </a:solidFill>
@@ -22070,7 +22070,7 @@
             </a:ln>
             <a:extLst>
               <a:ext uri="{91240B29-F687-4f45-9708-019B960494DF}">
-                <a14:hiddenLine xmlns="" xmlns:a16="http://schemas.microsoft.com/office/drawing/2014/main" xmlns:a14="http://schemas.microsoft.com/office/drawing/2010/main" xmlns:p14="http://schemas.microsoft.com/office/powerpoint/2010/main" w="9525">
+                <a14:hiddenLine xmlns:p14="http://schemas.microsoft.com/office/powerpoint/2010/main" xmlns:a14="http://schemas.microsoft.com/office/drawing/2010/main" xmlns:a16="http://schemas.microsoft.com/office/drawing/2014/main" xmlns="" w="9525">
                   <a:solidFill>
                     <a:srgbClr val="000000"/>
                   </a:solidFill>
@@ -22175,7 +22175,7 @@
             </a:ln>
             <a:extLst>
               <a:ext uri="{91240B29-F687-4f45-9708-019B960494DF}">
-                <a14:hiddenLine xmlns="" xmlns:a16="http://schemas.microsoft.com/office/drawing/2014/main" xmlns:a14="http://schemas.microsoft.com/office/drawing/2010/main" xmlns:p14="http://schemas.microsoft.com/office/powerpoint/2010/main" w="9525">
+                <a14:hiddenLine xmlns:p14="http://schemas.microsoft.com/office/powerpoint/2010/main" xmlns:a14="http://schemas.microsoft.com/office/drawing/2010/main" xmlns:a16="http://schemas.microsoft.com/office/drawing/2014/main" xmlns="" w="9525">
                   <a:solidFill>
                     <a:srgbClr val="000000"/>
                   </a:solidFill>
@@ -22280,7 +22280,7 @@
             </a:ln>
             <a:extLst>
               <a:ext uri="{91240B29-F687-4f45-9708-019B960494DF}">
-                <a14:hiddenLine xmlns="" xmlns:a16="http://schemas.microsoft.com/office/drawing/2014/main" xmlns:a14="http://schemas.microsoft.com/office/drawing/2010/main" xmlns:p14="http://schemas.microsoft.com/office/powerpoint/2010/main" w="9525">
+                <a14:hiddenLine xmlns:p14="http://schemas.microsoft.com/office/powerpoint/2010/main" xmlns:a14="http://schemas.microsoft.com/office/drawing/2010/main" xmlns:a16="http://schemas.microsoft.com/office/drawing/2014/main" xmlns="" w="9525">
                   <a:solidFill>
                     <a:srgbClr val="000000"/>
                   </a:solidFill>
@@ -22357,7 +22357,7 @@
             </a:ln>
             <a:extLst>
               <a:ext uri="{91240B29-F687-4f45-9708-019B960494DF}">
-                <a14:hiddenLine xmlns="" xmlns:a16="http://schemas.microsoft.com/office/drawing/2014/main" xmlns:a14="http://schemas.microsoft.com/office/drawing/2010/main" xmlns:p14="http://schemas.microsoft.com/office/powerpoint/2010/main" w="9525">
+                <a14:hiddenLine xmlns:p14="http://schemas.microsoft.com/office/powerpoint/2010/main" xmlns:a14="http://schemas.microsoft.com/office/drawing/2010/main" xmlns:a16="http://schemas.microsoft.com/office/drawing/2014/main" xmlns="" w="9525">
                   <a:solidFill>
                     <a:srgbClr val="000000"/>
                   </a:solidFill>
@@ -22462,7 +22462,7 @@
             </a:ln>
             <a:extLst>
               <a:ext uri="{91240B29-F687-4f45-9708-019B960494DF}">
-                <a14:hiddenLine xmlns="" xmlns:a16="http://schemas.microsoft.com/office/drawing/2014/main" xmlns:a14="http://schemas.microsoft.com/office/drawing/2010/main" xmlns:p14="http://schemas.microsoft.com/office/powerpoint/2010/main" w="9525">
+                <a14:hiddenLine xmlns:p14="http://schemas.microsoft.com/office/powerpoint/2010/main" xmlns:a14="http://schemas.microsoft.com/office/drawing/2010/main" xmlns:a16="http://schemas.microsoft.com/office/drawing/2014/main" xmlns="" w="9525">
                   <a:solidFill>
                     <a:srgbClr val="000000"/>
                   </a:solidFill>
@@ -22567,7 +22567,7 @@
             </a:ln>
             <a:extLst>
               <a:ext uri="{91240B29-F687-4f45-9708-019B960494DF}">
-                <a14:hiddenLine xmlns="" xmlns:a16="http://schemas.microsoft.com/office/drawing/2014/main" xmlns:a14="http://schemas.microsoft.com/office/drawing/2010/main" xmlns:p14="http://schemas.microsoft.com/office/powerpoint/2010/main" w="9525">
+                <a14:hiddenLine xmlns:p14="http://schemas.microsoft.com/office/powerpoint/2010/main" xmlns:a14="http://schemas.microsoft.com/office/drawing/2010/main" xmlns:a16="http://schemas.microsoft.com/office/drawing/2014/main" xmlns="" w="9525">
                   <a:solidFill>
                     <a:srgbClr val="000000"/>
                   </a:solidFill>
@@ -22638,7 +22638,7 @@
             </a:ln>
             <a:extLst>
               <a:ext uri="{91240B29-F687-4f45-9708-019B960494DF}">
-                <a14:hiddenLine xmlns="" xmlns:a16="http://schemas.microsoft.com/office/drawing/2014/main" xmlns:a14="http://schemas.microsoft.com/office/drawing/2010/main" xmlns:p14="http://schemas.microsoft.com/office/powerpoint/2010/main" w="9525">
+                <a14:hiddenLine xmlns:p14="http://schemas.microsoft.com/office/powerpoint/2010/main" xmlns:a14="http://schemas.microsoft.com/office/drawing/2010/main" xmlns:a16="http://schemas.microsoft.com/office/drawing/2014/main" xmlns="" w="9525">
                   <a:solidFill>
                     <a:srgbClr val="000000"/>
                   </a:solidFill>
@@ -22743,7 +22743,7 @@
             </a:ln>
             <a:extLst>
               <a:ext uri="{91240B29-F687-4f45-9708-019B960494DF}">
-                <a14:hiddenLine xmlns="" xmlns:a16="http://schemas.microsoft.com/office/drawing/2014/main" xmlns:a14="http://schemas.microsoft.com/office/drawing/2010/main" xmlns:p14="http://schemas.microsoft.com/office/powerpoint/2010/main" w="9525">
+                <a14:hiddenLine xmlns:p14="http://schemas.microsoft.com/office/powerpoint/2010/main" xmlns:a14="http://schemas.microsoft.com/office/drawing/2010/main" xmlns:a16="http://schemas.microsoft.com/office/drawing/2014/main" xmlns="" w="9525">
                   <a:solidFill>
                     <a:srgbClr val="000000"/>
                   </a:solidFill>
@@ -22814,7 +22814,7 @@
             </a:ln>
             <a:extLst>
               <a:ext uri="{91240B29-F687-4f45-9708-019B960494DF}">
-                <a14:hiddenLine xmlns="" xmlns:a16="http://schemas.microsoft.com/office/drawing/2014/main" xmlns:a14="http://schemas.microsoft.com/office/drawing/2010/main" xmlns:p14="http://schemas.microsoft.com/office/powerpoint/2010/main" w="9525">
+                <a14:hiddenLine xmlns:p14="http://schemas.microsoft.com/office/powerpoint/2010/main" xmlns:a14="http://schemas.microsoft.com/office/drawing/2010/main" xmlns:a16="http://schemas.microsoft.com/office/drawing/2014/main" xmlns="" w="9525">
                   <a:solidFill>
                     <a:srgbClr val="000000"/>
                   </a:solidFill>
@@ -22919,7 +22919,7 @@
             </a:ln>
             <a:extLst>
               <a:ext uri="{91240B29-F687-4f45-9708-019B960494DF}">
-                <a14:hiddenLine xmlns="" xmlns:a16="http://schemas.microsoft.com/office/drawing/2014/main" xmlns:a14="http://schemas.microsoft.com/office/drawing/2010/main" xmlns:p14="http://schemas.microsoft.com/office/powerpoint/2010/main" w="9525">
+                <a14:hiddenLine xmlns:p14="http://schemas.microsoft.com/office/powerpoint/2010/main" xmlns:a14="http://schemas.microsoft.com/office/drawing/2010/main" xmlns:a16="http://schemas.microsoft.com/office/drawing/2014/main" xmlns="" w="9525">
                   <a:solidFill>
                     <a:srgbClr val="000000"/>
                   </a:solidFill>
@@ -23002,7 +23002,7 @@
             </a:ln>
             <a:extLst>
               <a:ext uri="{91240B29-F687-4f45-9708-019B960494DF}">
-                <a14:hiddenLine xmlns="" xmlns:a16="http://schemas.microsoft.com/office/drawing/2014/main" xmlns:a14="http://schemas.microsoft.com/office/drawing/2010/main" xmlns:p14="http://schemas.microsoft.com/office/powerpoint/2010/main" w="9525">
+                <a14:hiddenLine xmlns:p14="http://schemas.microsoft.com/office/powerpoint/2010/main" xmlns:a14="http://schemas.microsoft.com/office/drawing/2010/main" xmlns:a16="http://schemas.microsoft.com/office/drawing/2014/main" xmlns="" w="9525">
                   <a:solidFill>
                     <a:srgbClr val="000000"/>
                   </a:solidFill>
@@ -23107,7 +23107,7 @@
             </a:ln>
             <a:extLst>
               <a:ext uri="{91240B29-F687-4f45-9708-019B960494DF}">
-                <a14:hiddenLine xmlns="" xmlns:a16="http://schemas.microsoft.com/office/drawing/2014/main" xmlns:a14="http://schemas.microsoft.com/office/drawing/2010/main" xmlns:p14="http://schemas.microsoft.com/office/powerpoint/2010/main" w="9525">
+                <a14:hiddenLine xmlns:p14="http://schemas.microsoft.com/office/powerpoint/2010/main" xmlns:a14="http://schemas.microsoft.com/office/drawing/2010/main" xmlns:a16="http://schemas.microsoft.com/office/drawing/2014/main" xmlns="" w="9525">
                   <a:solidFill>
                     <a:srgbClr val="000000"/>
                   </a:solidFill>
@@ -23190,7 +23190,7 @@
             </a:ln>
             <a:extLst>
               <a:ext uri="{91240B29-F687-4f45-9708-019B960494DF}">
-                <a14:hiddenLine xmlns="" xmlns:a16="http://schemas.microsoft.com/office/drawing/2014/main" xmlns:a14="http://schemas.microsoft.com/office/drawing/2010/main" xmlns:p14="http://schemas.microsoft.com/office/powerpoint/2010/main" w="9525">
+                <a14:hiddenLine xmlns:p14="http://schemas.microsoft.com/office/powerpoint/2010/main" xmlns:a14="http://schemas.microsoft.com/office/drawing/2010/main" xmlns:a16="http://schemas.microsoft.com/office/drawing/2014/main" xmlns="" w="9525">
                   <a:solidFill>
                     <a:srgbClr val="000000"/>
                   </a:solidFill>
@@ -23295,7 +23295,7 @@
             </a:ln>
             <a:extLst>
               <a:ext uri="{91240B29-F687-4f45-9708-019B960494DF}">
-                <a14:hiddenLine xmlns="" xmlns:a16="http://schemas.microsoft.com/office/drawing/2014/main" xmlns:a14="http://schemas.microsoft.com/office/drawing/2010/main" xmlns:p14="http://schemas.microsoft.com/office/powerpoint/2010/main" w="9525">
+                <a14:hiddenLine xmlns:p14="http://schemas.microsoft.com/office/powerpoint/2010/main" xmlns:a14="http://schemas.microsoft.com/office/drawing/2010/main" xmlns:a16="http://schemas.microsoft.com/office/drawing/2014/main" xmlns="" w="9525">
                   <a:solidFill>
                     <a:srgbClr val="000000"/>
                   </a:solidFill>
@@ -23344,7 +23344,7 @@
             </a:ln>
             <a:extLst>
               <a:ext uri="{91240B29-F687-4f45-9708-019B960494DF}">
-                <a14:hiddenLine xmlns="" xmlns:a16="http://schemas.microsoft.com/office/drawing/2014/main" xmlns:a14="http://schemas.microsoft.com/office/drawing/2010/main" xmlns:p14="http://schemas.microsoft.com/office/powerpoint/2010/main" w="9525">
+                <a14:hiddenLine xmlns:p14="http://schemas.microsoft.com/office/powerpoint/2010/main" xmlns:a14="http://schemas.microsoft.com/office/drawing/2010/main" xmlns:a16="http://schemas.microsoft.com/office/drawing/2014/main" xmlns="" w="9525">
                   <a:solidFill>
                     <a:srgbClr val="000000"/>
                   </a:solidFill>
@@ -23449,7 +23449,7 @@
             </a:ln>
             <a:extLst>
               <a:ext uri="{91240B29-F687-4f45-9708-019B960494DF}">
-                <a14:hiddenLine xmlns="" xmlns:a16="http://schemas.microsoft.com/office/drawing/2014/main" xmlns:a14="http://schemas.microsoft.com/office/drawing/2010/main" xmlns:p14="http://schemas.microsoft.com/office/powerpoint/2010/main" w="9525">
+                <a14:hiddenLine xmlns:p14="http://schemas.microsoft.com/office/powerpoint/2010/main" xmlns:a14="http://schemas.microsoft.com/office/drawing/2010/main" xmlns:a16="http://schemas.microsoft.com/office/drawing/2014/main" xmlns="" w="9525">
                   <a:solidFill>
                     <a:srgbClr val="000000"/>
                   </a:solidFill>
@@ -23526,7 +23526,7 @@
             </a:ln>
             <a:extLst>
               <a:ext uri="{91240B29-F687-4f45-9708-019B960494DF}">
-                <a14:hiddenLine xmlns="" xmlns:a16="http://schemas.microsoft.com/office/drawing/2014/main" xmlns:a14="http://schemas.microsoft.com/office/drawing/2010/main" xmlns:p14="http://schemas.microsoft.com/office/powerpoint/2010/main" w="9525">
+                <a14:hiddenLine xmlns:p14="http://schemas.microsoft.com/office/powerpoint/2010/main" xmlns:a14="http://schemas.microsoft.com/office/drawing/2010/main" xmlns:a16="http://schemas.microsoft.com/office/drawing/2014/main" xmlns="" w="9525">
                   <a:solidFill>
                     <a:srgbClr val="000000"/>
                   </a:solidFill>
@@ -23603,7 +23603,7 @@
             </a:ln>
             <a:extLst>
               <a:ext uri="{91240B29-F687-4f45-9708-019B960494DF}">
-                <a14:hiddenLine xmlns="" xmlns:a16="http://schemas.microsoft.com/office/drawing/2014/main" xmlns:a14="http://schemas.microsoft.com/office/drawing/2010/main" xmlns:p14="http://schemas.microsoft.com/office/powerpoint/2010/main" w="9525">
+                <a14:hiddenLine xmlns:p14="http://schemas.microsoft.com/office/powerpoint/2010/main" xmlns:a14="http://schemas.microsoft.com/office/drawing/2010/main" xmlns:a16="http://schemas.microsoft.com/office/drawing/2014/main" xmlns="" w="9525">
                   <a:solidFill>
                     <a:srgbClr val="000000"/>
                   </a:solidFill>
@@ -23708,7 +23708,7 @@
             </a:ln>
             <a:extLst>
               <a:ext uri="{91240B29-F687-4f45-9708-019B960494DF}">
-                <a14:hiddenLine xmlns="" xmlns:a16="http://schemas.microsoft.com/office/drawing/2014/main" xmlns:a14="http://schemas.microsoft.com/office/drawing/2010/main" xmlns:p14="http://schemas.microsoft.com/office/powerpoint/2010/main" w="9525">
+                <a14:hiddenLine xmlns:p14="http://schemas.microsoft.com/office/powerpoint/2010/main" xmlns:a14="http://schemas.microsoft.com/office/drawing/2010/main" xmlns:a16="http://schemas.microsoft.com/office/drawing/2014/main" xmlns="" w="9525">
                   <a:solidFill>
                     <a:srgbClr val="000000"/>
                   </a:solidFill>
@@ -23791,7 +23791,7 @@
             </a:ln>
             <a:extLst>
               <a:ext uri="{91240B29-F687-4f45-9708-019B960494DF}">
-                <a14:hiddenLine xmlns="" xmlns:a16="http://schemas.microsoft.com/office/drawing/2014/main" xmlns:a14="http://schemas.microsoft.com/office/drawing/2010/main" xmlns:p14="http://schemas.microsoft.com/office/powerpoint/2010/main" w="9525">
+                <a14:hiddenLine xmlns:p14="http://schemas.microsoft.com/office/powerpoint/2010/main" xmlns:a14="http://schemas.microsoft.com/office/drawing/2010/main" xmlns:a16="http://schemas.microsoft.com/office/drawing/2014/main" xmlns="" w="9525">
                   <a:solidFill>
                     <a:srgbClr val="000000"/>
                   </a:solidFill>
@@ -23868,7 +23868,7 @@
             </a:ln>
             <a:extLst>
               <a:ext uri="{91240B29-F687-4f45-9708-019B960494DF}">
-                <a14:hiddenLine xmlns="" xmlns:a16="http://schemas.microsoft.com/office/drawing/2014/main" xmlns:a14="http://schemas.microsoft.com/office/drawing/2010/main" xmlns:p14="http://schemas.microsoft.com/office/powerpoint/2010/main" w="9525">
+                <a14:hiddenLine xmlns:p14="http://schemas.microsoft.com/office/powerpoint/2010/main" xmlns:a14="http://schemas.microsoft.com/office/drawing/2010/main" xmlns:a16="http://schemas.microsoft.com/office/drawing/2014/main" xmlns="" w="9525">
                   <a:solidFill>
                     <a:srgbClr val="000000"/>
                   </a:solidFill>
@@ -23973,7 +23973,7 @@
             </a:ln>
             <a:extLst>
               <a:ext uri="{91240B29-F687-4f45-9708-019B960494DF}">
-                <a14:hiddenLine xmlns="" xmlns:a16="http://schemas.microsoft.com/office/drawing/2014/main" xmlns:a14="http://schemas.microsoft.com/office/drawing/2010/main" xmlns:p14="http://schemas.microsoft.com/office/powerpoint/2010/main" w="9525">
+                <a14:hiddenLine xmlns:p14="http://schemas.microsoft.com/office/powerpoint/2010/main" xmlns:a14="http://schemas.microsoft.com/office/drawing/2010/main" xmlns:a16="http://schemas.microsoft.com/office/drawing/2014/main" xmlns="" w="9525">
                   <a:solidFill>
                     <a:srgbClr val="000000"/>
                   </a:solidFill>
@@ -24050,7 +24050,7 @@
             </a:ln>
             <a:extLst>
               <a:ext uri="{91240B29-F687-4f45-9708-019B960494DF}">
-                <a14:hiddenLine xmlns="" xmlns:a16="http://schemas.microsoft.com/office/drawing/2014/main" xmlns:a14="http://schemas.microsoft.com/office/drawing/2010/main" xmlns:p14="http://schemas.microsoft.com/office/powerpoint/2010/main" w="9525">
+                <a14:hiddenLine xmlns:p14="http://schemas.microsoft.com/office/powerpoint/2010/main" xmlns:a14="http://schemas.microsoft.com/office/drawing/2010/main" xmlns:a16="http://schemas.microsoft.com/office/drawing/2014/main" xmlns="" w="9525">
                   <a:solidFill>
                     <a:srgbClr val="000000"/>
                   </a:solidFill>
@@ -24155,7 +24155,7 @@
             </a:ln>
             <a:extLst>
               <a:ext uri="{91240B29-F687-4f45-9708-019B960494DF}">
-                <a14:hiddenLine xmlns="" xmlns:a16="http://schemas.microsoft.com/office/drawing/2014/main" xmlns:a14="http://schemas.microsoft.com/office/drawing/2010/main" xmlns:p14="http://schemas.microsoft.com/office/powerpoint/2010/main" w="9525">
+                <a14:hiddenLine xmlns:p14="http://schemas.microsoft.com/office/powerpoint/2010/main" xmlns:a14="http://schemas.microsoft.com/office/drawing/2010/main" xmlns:a16="http://schemas.microsoft.com/office/drawing/2014/main" xmlns="" w="9525">
                   <a:solidFill>
                     <a:srgbClr val="000000"/>
                   </a:solidFill>
@@ -24232,7 +24232,7 @@
             </a:ln>
             <a:extLst>
               <a:ext uri="{91240B29-F687-4f45-9708-019B960494DF}">
-                <a14:hiddenLine xmlns="" xmlns:a16="http://schemas.microsoft.com/office/drawing/2014/main" xmlns:a14="http://schemas.microsoft.com/office/drawing/2010/main" xmlns:p14="http://schemas.microsoft.com/office/powerpoint/2010/main" w="9525">
+                <a14:hiddenLine xmlns:p14="http://schemas.microsoft.com/office/powerpoint/2010/main" xmlns:a14="http://schemas.microsoft.com/office/drawing/2010/main" xmlns:a16="http://schemas.microsoft.com/office/drawing/2014/main" xmlns="" w="9525">
                   <a:solidFill>
                     <a:srgbClr val="000000"/>
                   </a:solidFill>
@@ -24337,7 +24337,7 @@
             </a:ln>
             <a:extLst>
               <a:ext uri="{91240B29-F687-4f45-9708-019B960494DF}">
-                <a14:hiddenLine xmlns="" xmlns:a16="http://schemas.microsoft.com/office/drawing/2014/main" xmlns:a14="http://schemas.microsoft.com/office/drawing/2010/main" xmlns:p14="http://schemas.microsoft.com/office/powerpoint/2010/main" w="9525">
+                <a14:hiddenLine xmlns:p14="http://schemas.microsoft.com/office/powerpoint/2010/main" xmlns:a14="http://schemas.microsoft.com/office/drawing/2010/main" xmlns:a16="http://schemas.microsoft.com/office/drawing/2014/main" xmlns="" w="9525">
                   <a:solidFill>
                     <a:srgbClr val="000000"/>
                   </a:solidFill>
@@ -24386,7 +24386,7 @@
             </a:ln>
             <a:extLst>
               <a:ext uri="{91240B29-F687-4f45-9708-019B960494DF}">
-                <a14:hiddenLine xmlns="" xmlns:a16="http://schemas.microsoft.com/office/drawing/2014/main" xmlns:a14="http://schemas.microsoft.com/office/drawing/2010/main" xmlns:p14="http://schemas.microsoft.com/office/powerpoint/2010/main" w="9525">
+                <a14:hiddenLine xmlns:p14="http://schemas.microsoft.com/office/powerpoint/2010/main" xmlns:a14="http://schemas.microsoft.com/office/drawing/2010/main" xmlns:a16="http://schemas.microsoft.com/office/drawing/2014/main" xmlns="" w="9525">
                   <a:solidFill>
                     <a:srgbClr val="000000"/>
                   </a:solidFill>
@@ -24466,7 +24466,7 @@
             </a:ln>
             <a:extLst>
               <a:ext uri="{91240B29-F687-4f45-9708-019B960494DF}">
-                <a14:hiddenLine xmlns="" xmlns:a16="http://schemas.microsoft.com/office/drawing/2014/main" xmlns:a14="http://schemas.microsoft.com/office/drawing/2010/main" xmlns:p14="http://schemas.microsoft.com/office/powerpoint/2010/main" w="9525">
+                <a14:hiddenLine xmlns:p14="http://schemas.microsoft.com/office/powerpoint/2010/main" xmlns:a14="http://schemas.microsoft.com/office/drawing/2010/main" xmlns:a16="http://schemas.microsoft.com/office/drawing/2014/main" xmlns="" w="9525">
                   <a:solidFill>
                     <a:srgbClr val="000000"/>
                   </a:solidFill>
@@ -24571,7 +24571,7 @@
             </a:ln>
             <a:extLst>
               <a:ext uri="{91240B29-F687-4f45-9708-019B960494DF}">
-                <a14:hiddenLine xmlns="" xmlns:a16="http://schemas.microsoft.com/office/drawing/2014/main" xmlns:a14="http://schemas.microsoft.com/office/drawing/2010/main" xmlns:p14="http://schemas.microsoft.com/office/powerpoint/2010/main" w="9525">
+                <a14:hiddenLine xmlns:p14="http://schemas.microsoft.com/office/powerpoint/2010/main" xmlns:a14="http://schemas.microsoft.com/office/drawing/2010/main" xmlns:a16="http://schemas.microsoft.com/office/drawing/2014/main" xmlns="" w="9525">
                   <a:solidFill>
                     <a:srgbClr val="000000"/>
                   </a:solidFill>
@@ -24648,7 +24648,7 @@
             </a:ln>
             <a:extLst>
               <a:ext uri="{91240B29-F687-4f45-9708-019B960494DF}">
-                <a14:hiddenLine xmlns="" xmlns:a16="http://schemas.microsoft.com/office/drawing/2014/main" xmlns:a14="http://schemas.microsoft.com/office/drawing/2010/main" xmlns:p14="http://schemas.microsoft.com/office/powerpoint/2010/main" w="9525">
+                <a14:hiddenLine xmlns:p14="http://schemas.microsoft.com/office/powerpoint/2010/main" xmlns:a14="http://schemas.microsoft.com/office/drawing/2010/main" xmlns:a16="http://schemas.microsoft.com/office/drawing/2014/main" xmlns="" w="9525">
                   <a:solidFill>
                     <a:srgbClr val="000000"/>
                   </a:solidFill>
@@ -24753,7 +24753,7 @@
             </a:ln>
             <a:extLst>
               <a:ext uri="{91240B29-F687-4f45-9708-019B960494DF}">
-                <a14:hiddenLine xmlns="" xmlns:a16="http://schemas.microsoft.com/office/drawing/2014/main" xmlns:a14="http://schemas.microsoft.com/office/drawing/2010/main" xmlns:p14="http://schemas.microsoft.com/office/powerpoint/2010/main" w="9525">
+                <a14:hiddenLine xmlns:p14="http://schemas.microsoft.com/office/powerpoint/2010/main" xmlns:a14="http://schemas.microsoft.com/office/drawing/2010/main" xmlns:a16="http://schemas.microsoft.com/office/drawing/2014/main" xmlns="" w="9525">
                   <a:solidFill>
                     <a:srgbClr val="000000"/>
                   </a:solidFill>
@@ -24858,7 +24858,7 @@
             </a:ln>
             <a:extLst>
               <a:ext uri="{91240B29-F687-4f45-9708-019B960494DF}">
-                <a14:hiddenLine xmlns="" xmlns:a16="http://schemas.microsoft.com/office/drawing/2014/main" xmlns:a14="http://schemas.microsoft.com/office/drawing/2010/main" xmlns:p14="http://schemas.microsoft.com/office/powerpoint/2010/main" w="9525">
+                <a14:hiddenLine xmlns:p14="http://schemas.microsoft.com/office/powerpoint/2010/main" xmlns:a14="http://schemas.microsoft.com/office/drawing/2010/main" xmlns:a16="http://schemas.microsoft.com/office/drawing/2014/main" xmlns="" w="9525">
                   <a:solidFill>
                     <a:srgbClr val="000000"/>
                   </a:solidFill>
@@ -24938,7 +24938,7 @@
             </a:ln>
             <a:extLst>
               <a:ext uri="{91240B29-F687-4f45-9708-019B960494DF}">
-                <a14:hiddenLine xmlns="" xmlns:a16="http://schemas.microsoft.com/office/drawing/2014/main" xmlns:a14="http://schemas.microsoft.com/office/drawing/2010/main" xmlns:p14="http://schemas.microsoft.com/office/powerpoint/2010/main" w="9525">
+                <a14:hiddenLine xmlns:p14="http://schemas.microsoft.com/office/powerpoint/2010/main" xmlns:a14="http://schemas.microsoft.com/office/drawing/2010/main" xmlns:a16="http://schemas.microsoft.com/office/drawing/2014/main" xmlns="" w="9525">
                   <a:solidFill>
                     <a:srgbClr val="000000"/>
                   </a:solidFill>
@@ -25015,7 +25015,7 @@
             </a:ln>
             <a:extLst>
               <a:ext uri="{91240B29-F687-4f45-9708-019B960494DF}">
-                <a14:hiddenLine xmlns="" xmlns:a16="http://schemas.microsoft.com/office/drawing/2014/main" xmlns:a14="http://schemas.microsoft.com/office/drawing/2010/main" xmlns:p14="http://schemas.microsoft.com/office/powerpoint/2010/main" w="9525">
+                <a14:hiddenLine xmlns:p14="http://schemas.microsoft.com/office/powerpoint/2010/main" xmlns:a14="http://schemas.microsoft.com/office/drawing/2010/main" xmlns:a16="http://schemas.microsoft.com/office/drawing/2014/main" xmlns="" w="9525">
                   <a:solidFill>
                     <a:srgbClr val="000000"/>
                   </a:solidFill>
@@ -25120,7 +25120,7 @@
             </a:ln>
             <a:extLst>
               <a:ext uri="{91240B29-F687-4f45-9708-019B960494DF}">
-                <a14:hiddenLine xmlns="" xmlns:a16="http://schemas.microsoft.com/office/drawing/2014/main" xmlns:a14="http://schemas.microsoft.com/office/drawing/2010/main" xmlns:p14="http://schemas.microsoft.com/office/powerpoint/2010/main" w="9525">
+                <a14:hiddenLine xmlns:p14="http://schemas.microsoft.com/office/powerpoint/2010/main" xmlns:a14="http://schemas.microsoft.com/office/drawing/2010/main" xmlns:a16="http://schemas.microsoft.com/office/drawing/2014/main" xmlns="" w="9525">
                   <a:solidFill>
                     <a:srgbClr val="000000"/>
                   </a:solidFill>
@@ -25225,7 +25225,7 @@
             </a:ln>
             <a:extLst>
               <a:ext uri="{91240B29-F687-4f45-9708-019B960494DF}">
-                <a14:hiddenLine xmlns="" xmlns:a16="http://schemas.microsoft.com/office/drawing/2014/main" xmlns:a14="http://schemas.microsoft.com/office/drawing/2010/main" xmlns:p14="http://schemas.microsoft.com/office/powerpoint/2010/main" w="9525">
+                <a14:hiddenLine xmlns:p14="http://schemas.microsoft.com/office/powerpoint/2010/main" xmlns:a14="http://schemas.microsoft.com/office/drawing/2010/main" xmlns:a16="http://schemas.microsoft.com/office/drawing/2014/main" xmlns="" w="9525">
                   <a:solidFill>
                     <a:srgbClr val="000000"/>
                   </a:solidFill>
@@ -25302,7 +25302,7 @@
             </a:ln>
             <a:extLst>
               <a:ext uri="{91240B29-F687-4f45-9708-019B960494DF}">
-                <a14:hiddenLine xmlns="" xmlns:a16="http://schemas.microsoft.com/office/drawing/2014/main" xmlns:a14="http://schemas.microsoft.com/office/drawing/2010/main" xmlns:p14="http://schemas.microsoft.com/office/powerpoint/2010/main" w="9525">
+                <a14:hiddenLine xmlns:p14="http://schemas.microsoft.com/office/powerpoint/2010/main" xmlns:a14="http://schemas.microsoft.com/office/drawing/2010/main" xmlns:a16="http://schemas.microsoft.com/office/drawing/2014/main" xmlns="" w="9525">
                   <a:solidFill>
                     <a:srgbClr val="000000"/>
                   </a:solidFill>
@@ -25437,7 +25437,7 @@
             </a:ln>
             <a:extLst>
               <a:ext uri="{91240B29-F687-4f45-9708-019B960494DF}">
-                <a14:hiddenLine xmlns="" xmlns:a16="http://schemas.microsoft.com/office/drawing/2014/main" xmlns:a14="http://schemas.microsoft.com/office/drawing/2010/main" xmlns:p14="http://schemas.microsoft.com/office/powerpoint/2010/main" w="9525">
+                <a14:hiddenLine xmlns:p14="http://schemas.microsoft.com/office/powerpoint/2010/main" xmlns:a14="http://schemas.microsoft.com/office/drawing/2010/main" xmlns:a16="http://schemas.microsoft.com/office/drawing/2014/main" xmlns="" w="9525">
                   <a:solidFill>
                     <a:srgbClr val="000000"/>
                   </a:solidFill>
@@ -25520,7 +25520,7 @@
             </a:ln>
             <a:extLst>
               <a:ext uri="{91240B29-F687-4f45-9708-019B960494DF}">
-                <a14:hiddenLine xmlns="" xmlns:a16="http://schemas.microsoft.com/office/drawing/2014/main" xmlns:a14="http://schemas.microsoft.com/office/drawing/2010/main" xmlns:p14="http://schemas.microsoft.com/office/powerpoint/2010/main" w="9525">
+                <a14:hiddenLine xmlns:p14="http://schemas.microsoft.com/office/powerpoint/2010/main" xmlns:a14="http://schemas.microsoft.com/office/drawing/2010/main" xmlns:a16="http://schemas.microsoft.com/office/drawing/2014/main" xmlns="" w="9525">
                   <a:solidFill>
                     <a:srgbClr val="000000"/>
                   </a:solidFill>
@@ -25625,7 +25625,7 @@
             </a:ln>
             <a:extLst>
               <a:ext uri="{91240B29-F687-4f45-9708-019B960494DF}">
-                <a14:hiddenLine xmlns="" xmlns:a16="http://schemas.microsoft.com/office/drawing/2014/main" xmlns:a14="http://schemas.microsoft.com/office/drawing/2010/main" xmlns:p14="http://schemas.microsoft.com/office/powerpoint/2010/main" w="9525">
+                <a14:hiddenLine xmlns:p14="http://schemas.microsoft.com/office/powerpoint/2010/main" xmlns:a14="http://schemas.microsoft.com/office/drawing/2010/main" xmlns:a16="http://schemas.microsoft.com/office/drawing/2014/main" xmlns="" w="9525">
                   <a:solidFill>
                     <a:srgbClr val="000000"/>
                   </a:solidFill>
@@ -26125,13 +26125,13 @@
         </p:nvSpPr>
         <p:spPr>
           <a:xfrm>
-            <a:off x="1772240" y="1743959"/>
+            <a:off x="1772240" y="1557053"/>
             <a:ext cx="8895760" cy="4878370"/>
           </a:xfrm>
         </p:spPr>
         <p:txBody>
-          <a:bodyPr>
-            <a:normAutofit lnSpcReduction="10000"/>
+          <a:bodyPr vert="horz" lIns="91440" tIns="45720" rIns="91440" bIns="45720" rtlCol="0" anchor="t">
+            <a:normAutofit fontScale="85000" lnSpcReduction="10000"/>
           </a:bodyPr>
           <a:lstStyle/>
           <a:p>
@@ -26199,10 +26199,22 @@
             <a:endParaRPr lang="it-IT" sz="3200" dirty="0"/>
           </a:p>
           <a:p>
-            <a:endParaRPr lang="it-IT" dirty="0"/>
+            <a:r>
+              <a:rPr lang="it-IT" sz="3200" i="1" dirty="0">
+                <a:solidFill>
+                  <a:schemeClr val="tx1"/>
+                </a:solidFill>
+              </a:rPr>
+              <a:t>INTRODUCTION VIDEO: </a:t>
+            </a:r>
+            <a:r>
+              <a:rPr lang="it-IT" sz="3200" dirty="0">
+                <a:hlinkClick r:id="rId3"/>
+              </a:rPr>
+              <a:t>https://youtu.be/SxgZyMuagbQ</a:t>
+            </a:r>
           </a:p>
           <a:p>
-            <a:pPr algn="r"/>
             <a:endParaRPr lang="it-IT" dirty="0"/>
           </a:p>
           <a:p>
@@ -26486,7 +26498,7 @@
           <a:noFill/>
           <a:extLst>
             <a:ext uri="{909E8E84-426E-40dd-AFC4-6F175D3DCCD1}">
-              <a14:hiddenFill xmlns="" xmlns:a16="http://schemas.microsoft.com/office/drawing/2014/main" xmlns:a14="http://schemas.microsoft.com/office/drawing/2010/main" xmlns:p14="http://schemas.microsoft.com/office/powerpoint/2010/main">
+              <a14:hiddenFill xmlns:p14="http://schemas.microsoft.com/office/powerpoint/2010/main" xmlns:a14="http://schemas.microsoft.com/office/drawing/2010/main" xmlns:a16="http://schemas.microsoft.com/office/drawing/2014/main" xmlns="">
                 <a:solidFill>
                   <a:srgbClr val="FFFFFF"/>
                 </a:solidFill>
@@ -26607,7 +26619,7 @@
               </a:ln>
               <a:extLst>
                 <a:ext uri="{91240B29-F687-4f45-9708-019B960494DF}">
-                  <a14:hiddenLine xmlns="" xmlns:a16="http://schemas.microsoft.com/office/drawing/2014/main" xmlns:a14="http://schemas.microsoft.com/office/drawing/2010/main" xmlns:p14="http://schemas.microsoft.com/office/powerpoint/2010/main" w="9525">
+                  <a14:hiddenLine xmlns:p14="http://schemas.microsoft.com/office/powerpoint/2010/main" xmlns:a14="http://schemas.microsoft.com/office/drawing/2010/main" xmlns:a16="http://schemas.microsoft.com/office/drawing/2014/main" xmlns="" w="9525">
                     <a:solidFill>
                       <a:srgbClr val="000000"/>
                     </a:solidFill>
@@ -26712,7 +26724,7 @@
               </a:ln>
               <a:extLst>
                 <a:ext uri="{91240B29-F687-4f45-9708-019B960494DF}">
-                  <a14:hiddenLine xmlns="" xmlns:a16="http://schemas.microsoft.com/office/drawing/2014/main" xmlns:a14="http://schemas.microsoft.com/office/drawing/2010/main" xmlns:p14="http://schemas.microsoft.com/office/powerpoint/2010/main" w="9525">
+                  <a14:hiddenLine xmlns:p14="http://schemas.microsoft.com/office/powerpoint/2010/main" xmlns:a14="http://schemas.microsoft.com/office/drawing/2010/main" xmlns:a16="http://schemas.microsoft.com/office/drawing/2014/main" xmlns="" w="9525">
                     <a:solidFill>
                       <a:srgbClr val="000000"/>
                     </a:solidFill>
@@ -26817,7 +26829,7 @@
               </a:ln>
               <a:extLst>
                 <a:ext uri="{91240B29-F687-4f45-9708-019B960494DF}">
-                  <a14:hiddenLine xmlns="" xmlns:a16="http://schemas.microsoft.com/office/drawing/2014/main" xmlns:a14="http://schemas.microsoft.com/office/drawing/2010/main" xmlns:p14="http://schemas.microsoft.com/office/powerpoint/2010/main" w="9525">
+                  <a14:hiddenLine xmlns:p14="http://schemas.microsoft.com/office/powerpoint/2010/main" xmlns:a14="http://schemas.microsoft.com/office/drawing/2010/main" xmlns:a16="http://schemas.microsoft.com/office/drawing/2014/main" xmlns="" w="9525">
                     <a:solidFill>
                       <a:srgbClr val="000000"/>
                     </a:solidFill>
@@ -26894,7 +26906,7 @@
               </a:ln>
               <a:extLst>
                 <a:ext uri="{91240B29-F687-4f45-9708-019B960494DF}">
-                  <a14:hiddenLine xmlns="" xmlns:a16="http://schemas.microsoft.com/office/drawing/2014/main" xmlns:a14="http://schemas.microsoft.com/office/drawing/2010/main" xmlns:p14="http://schemas.microsoft.com/office/powerpoint/2010/main" w="9525">
+                  <a14:hiddenLine xmlns:p14="http://schemas.microsoft.com/office/powerpoint/2010/main" xmlns:a14="http://schemas.microsoft.com/office/drawing/2010/main" xmlns:a16="http://schemas.microsoft.com/office/drawing/2014/main" xmlns="" w="9525">
                     <a:solidFill>
                       <a:srgbClr val="000000"/>
                     </a:solidFill>
@@ -26999,7 +27011,7 @@
               </a:ln>
               <a:extLst>
                 <a:ext uri="{91240B29-F687-4f45-9708-019B960494DF}">
-                  <a14:hiddenLine xmlns="" xmlns:a16="http://schemas.microsoft.com/office/drawing/2014/main" xmlns:a14="http://schemas.microsoft.com/office/drawing/2010/main" xmlns:p14="http://schemas.microsoft.com/office/powerpoint/2010/main" w="9525">
+                  <a14:hiddenLine xmlns:p14="http://schemas.microsoft.com/office/powerpoint/2010/main" xmlns:a14="http://schemas.microsoft.com/office/drawing/2010/main" xmlns:a16="http://schemas.microsoft.com/office/drawing/2014/main" xmlns="" w="9525">
                     <a:solidFill>
                       <a:srgbClr val="000000"/>
                     </a:solidFill>
@@ -27076,7 +27088,7 @@
               </a:ln>
               <a:extLst>
                 <a:ext uri="{91240B29-F687-4f45-9708-019B960494DF}">
-                  <a14:hiddenLine xmlns="" xmlns:a16="http://schemas.microsoft.com/office/drawing/2014/main" xmlns:a14="http://schemas.microsoft.com/office/drawing/2010/main" xmlns:p14="http://schemas.microsoft.com/office/powerpoint/2010/main" w="9525">
+                  <a14:hiddenLine xmlns:p14="http://schemas.microsoft.com/office/powerpoint/2010/main" xmlns:a14="http://schemas.microsoft.com/office/drawing/2010/main" xmlns:a16="http://schemas.microsoft.com/office/drawing/2014/main" xmlns="" w="9525">
                     <a:solidFill>
                       <a:srgbClr val="000000"/>
                     </a:solidFill>
@@ -27153,7 +27165,7 @@
               </a:ln>
               <a:extLst>
                 <a:ext uri="{91240B29-F687-4f45-9708-019B960494DF}">
-                  <a14:hiddenLine xmlns="" xmlns:a16="http://schemas.microsoft.com/office/drawing/2014/main" xmlns:a14="http://schemas.microsoft.com/office/drawing/2010/main" xmlns:p14="http://schemas.microsoft.com/office/powerpoint/2010/main" w="9525">
+                  <a14:hiddenLine xmlns:p14="http://schemas.microsoft.com/office/powerpoint/2010/main" xmlns:a14="http://schemas.microsoft.com/office/drawing/2010/main" xmlns:a16="http://schemas.microsoft.com/office/drawing/2014/main" xmlns="" w="9525">
                     <a:solidFill>
                       <a:srgbClr val="000000"/>
                     </a:solidFill>
@@ -27258,7 +27270,7 @@
               </a:ln>
               <a:extLst>
                 <a:ext uri="{91240B29-F687-4f45-9708-019B960494DF}">
-                  <a14:hiddenLine xmlns="" xmlns:a16="http://schemas.microsoft.com/office/drawing/2014/main" xmlns:a14="http://schemas.microsoft.com/office/drawing/2010/main" xmlns:p14="http://schemas.microsoft.com/office/powerpoint/2010/main" w="9525">
+                  <a14:hiddenLine xmlns:p14="http://schemas.microsoft.com/office/powerpoint/2010/main" xmlns:a14="http://schemas.microsoft.com/office/drawing/2010/main" xmlns:a16="http://schemas.microsoft.com/office/drawing/2014/main" xmlns="" w="9525">
                     <a:solidFill>
                       <a:srgbClr val="000000"/>
                     </a:solidFill>
@@ -27363,7 +27375,7 @@
               </a:ln>
               <a:extLst>
                 <a:ext uri="{91240B29-F687-4f45-9708-019B960494DF}">
-                  <a14:hiddenLine xmlns="" xmlns:a16="http://schemas.microsoft.com/office/drawing/2014/main" xmlns:a14="http://schemas.microsoft.com/office/drawing/2010/main" xmlns:p14="http://schemas.microsoft.com/office/powerpoint/2010/main" w="9525">
+                  <a14:hiddenLine xmlns:p14="http://schemas.microsoft.com/office/powerpoint/2010/main" xmlns:a14="http://schemas.microsoft.com/office/drawing/2010/main" xmlns:a16="http://schemas.microsoft.com/office/drawing/2014/main" xmlns="" w="9525">
                     <a:solidFill>
                       <a:srgbClr val="000000"/>
                     </a:solidFill>
@@ -27440,7 +27452,7 @@
               </a:ln>
               <a:extLst>
                 <a:ext uri="{91240B29-F687-4f45-9708-019B960494DF}">
-                  <a14:hiddenLine xmlns="" xmlns:a16="http://schemas.microsoft.com/office/drawing/2014/main" xmlns:a14="http://schemas.microsoft.com/office/drawing/2010/main" xmlns:p14="http://schemas.microsoft.com/office/powerpoint/2010/main" w="9525">
+                  <a14:hiddenLine xmlns:p14="http://schemas.microsoft.com/office/powerpoint/2010/main" xmlns:a14="http://schemas.microsoft.com/office/drawing/2010/main" xmlns:a16="http://schemas.microsoft.com/office/drawing/2014/main" xmlns="" w="9525">
                     <a:solidFill>
                       <a:srgbClr val="000000"/>
                     </a:solidFill>
@@ -27565,7 +27577,7 @@
               </a:ln>
               <a:extLst>
                 <a:ext uri="{91240B29-F687-4f45-9708-019B960494DF}">
-                  <a14:hiddenLine xmlns="" xmlns:a16="http://schemas.microsoft.com/office/drawing/2014/main" xmlns:a14="http://schemas.microsoft.com/office/drawing/2010/main" xmlns:p14="http://schemas.microsoft.com/office/powerpoint/2010/main" w="9525">
+                  <a14:hiddenLine xmlns:p14="http://schemas.microsoft.com/office/powerpoint/2010/main" xmlns:a14="http://schemas.microsoft.com/office/drawing/2010/main" xmlns:a16="http://schemas.microsoft.com/office/drawing/2014/main" xmlns="" w="9525">
                     <a:solidFill>
                       <a:srgbClr val="000000"/>
                     </a:solidFill>
@@ -27679,7 +27691,7 @@
               </a:ln>
               <a:extLst>
                 <a:ext uri="{91240B29-F687-4f45-9708-019B960494DF}">
-                  <a14:hiddenLine xmlns="" xmlns:a16="http://schemas.microsoft.com/office/drawing/2014/main" xmlns:a14="http://schemas.microsoft.com/office/drawing/2010/main" xmlns:p14="http://schemas.microsoft.com/office/powerpoint/2010/main" w="9525">
+                  <a14:hiddenLine xmlns:p14="http://schemas.microsoft.com/office/powerpoint/2010/main" xmlns:a14="http://schemas.microsoft.com/office/drawing/2010/main" xmlns:a16="http://schemas.microsoft.com/office/drawing/2014/main" xmlns="" w="9525">
                     <a:solidFill>
                       <a:srgbClr val="000000"/>
                     </a:solidFill>
@@ -27756,7 +27768,7 @@
               </a:ln>
               <a:extLst>
                 <a:ext uri="{91240B29-F687-4f45-9708-019B960494DF}">
-                  <a14:hiddenLine xmlns="" xmlns:a16="http://schemas.microsoft.com/office/drawing/2014/main" xmlns:a14="http://schemas.microsoft.com/office/drawing/2010/main" xmlns:p14="http://schemas.microsoft.com/office/powerpoint/2010/main" w="9525">
+                  <a14:hiddenLine xmlns:p14="http://schemas.microsoft.com/office/powerpoint/2010/main" xmlns:a14="http://schemas.microsoft.com/office/drawing/2010/main" xmlns:a16="http://schemas.microsoft.com/office/drawing/2014/main" xmlns="" w="9525">
                     <a:solidFill>
                       <a:srgbClr val="000000"/>
                     </a:solidFill>
@@ -27833,7 +27845,7 @@
               </a:ln>
               <a:extLst>
                 <a:ext uri="{91240B29-F687-4f45-9708-019B960494DF}">
-                  <a14:hiddenLine xmlns="" xmlns:a16="http://schemas.microsoft.com/office/drawing/2014/main" xmlns:a14="http://schemas.microsoft.com/office/drawing/2010/main" xmlns:p14="http://schemas.microsoft.com/office/powerpoint/2010/main" w="9525">
+                  <a14:hiddenLine xmlns:p14="http://schemas.microsoft.com/office/powerpoint/2010/main" xmlns:a14="http://schemas.microsoft.com/office/drawing/2010/main" xmlns:a16="http://schemas.microsoft.com/office/drawing/2014/main" xmlns="" w="9525">
                     <a:solidFill>
                       <a:srgbClr val="000000"/>
                     </a:solidFill>
@@ -27938,7 +27950,7 @@
               </a:ln>
               <a:extLst>
                 <a:ext uri="{91240B29-F687-4f45-9708-019B960494DF}">
-                  <a14:hiddenLine xmlns="" xmlns:a16="http://schemas.microsoft.com/office/drawing/2014/main" xmlns:a14="http://schemas.microsoft.com/office/drawing/2010/main" xmlns:p14="http://schemas.microsoft.com/office/powerpoint/2010/main" w="9525">
+                  <a14:hiddenLine xmlns:p14="http://schemas.microsoft.com/office/powerpoint/2010/main" xmlns:a14="http://schemas.microsoft.com/office/drawing/2010/main" xmlns:a16="http://schemas.microsoft.com/office/drawing/2014/main" xmlns="" w="9525">
                     <a:solidFill>
                       <a:srgbClr val="000000"/>
                     </a:solidFill>
@@ -27987,7 +27999,7 @@
               </a:ln>
               <a:extLst>
                 <a:ext uri="{91240B29-F687-4f45-9708-019B960494DF}">
-                  <a14:hiddenLine xmlns="" xmlns:a16="http://schemas.microsoft.com/office/drawing/2014/main" xmlns:a14="http://schemas.microsoft.com/office/drawing/2010/main" xmlns:p14="http://schemas.microsoft.com/office/powerpoint/2010/main" w="9525">
+                  <a14:hiddenLine xmlns:p14="http://schemas.microsoft.com/office/powerpoint/2010/main" xmlns:a14="http://schemas.microsoft.com/office/drawing/2010/main" xmlns:a16="http://schemas.microsoft.com/office/drawing/2014/main" xmlns="" w="9525">
                     <a:solidFill>
                       <a:srgbClr val="000000"/>
                     </a:solidFill>
@@ -28067,7 +28079,7 @@
               </a:ln>
               <a:extLst>
                 <a:ext uri="{91240B29-F687-4f45-9708-019B960494DF}">
-                  <a14:hiddenLine xmlns="" xmlns:a16="http://schemas.microsoft.com/office/drawing/2014/main" xmlns:a14="http://schemas.microsoft.com/office/drawing/2010/main" xmlns:p14="http://schemas.microsoft.com/office/powerpoint/2010/main" w="9525">
+                  <a14:hiddenLine xmlns:p14="http://schemas.microsoft.com/office/powerpoint/2010/main" xmlns:a14="http://schemas.microsoft.com/office/drawing/2010/main" xmlns:a16="http://schemas.microsoft.com/office/drawing/2014/main" xmlns="" w="9525">
                     <a:solidFill>
                       <a:srgbClr val="000000"/>
                     </a:solidFill>
@@ -28172,7 +28184,7 @@
               </a:ln>
               <a:extLst>
                 <a:ext uri="{91240B29-F687-4f45-9708-019B960494DF}">
-                  <a14:hiddenLine xmlns="" xmlns:a16="http://schemas.microsoft.com/office/drawing/2014/main" xmlns:a14="http://schemas.microsoft.com/office/drawing/2010/main" xmlns:p14="http://schemas.microsoft.com/office/powerpoint/2010/main" w="9525">
+                  <a14:hiddenLine xmlns:p14="http://schemas.microsoft.com/office/powerpoint/2010/main" xmlns:a14="http://schemas.microsoft.com/office/drawing/2010/main" xmlns:a16="http://schemas.microsoft.com/office/drawing/2014/main" xmlns="" w="9525">
                     <a:solidFill>
                       <a:srgbClr val="000000"/>
                     </a:solidFill>
@@ -28249,7 +28261,7 @@
               </a:ln>
               <a:extLst>
                 <a:ext uri="{91240B29-F687-4f45-9708-019B960494DF}">
-                  <a14:hiddenLine xmlns="" xmlns:a16="http://schemas.microsoft.com/office/drawing/2014/main" xmlns:a14="http://schemas.microsoft.com/office/drawing/2010/main" xmlns:p14="http://schemas.microsoft.com/office/powerpoint/2010/main" w="9525">
+                  <a14:hiddenLine xmlns:p14="http://schemas.microsoft.com/office/powerpoint/2010/main" xmlns:a14="http://schemas.microsoft.com/office/drawing/2010/main" xmlns:a16="http://schemas.microsoft.com/office/drawing/2014/main" xmlns="" w="9525">
                     <a:solidFill>
                       <a:srgbClr val="000000"/>
                     </a:solidFill>
@@ -28354,7 +28366,7 @@
               </a:ln>
               <a:extLst>
                 <a:ext uri="{91240B29-F687-4f45-9708-019B960494DF}">
-                  <a14:hiddenLine xmlns="" xmlns:a16="http://schemas.microsoft.com/office/drawing/2014/main" xmlns:a14="http://schemas.microsoft.com/office/drawing/2010/main" xmlns:p14="http://schemas.microsoft.com/office/powerpoint/2010/main" w="9525">
+                  <a14:hiddenLine xmlns:p14="http://schemas.microsoft.com/office/powerpoint/2010/main" xmlns:a14="http://schemas.microsoft.com/office/drawing/2010/main" xmlns:a16="http://schemas.microsoft.com/office/drawing/2014/main" xmlns="" w="9525">
                     <a:solidFill>
                       <a:srgbClr val="000000"/>
                     </a:solidFill>
@@ -28434,7 +28446,7 @@
               </a:ln>
               <a:extLst>
                 <a:ext uri="{91240B29-F687-4f45-9708-019B960494DF}">
-                  <a14:hiddenLine xmlns="" xmlns:a16="http://schemas.microsoft.com/office/drawing/2014/main" xmlns:a14="http://schemas.microsoft.com/office/drawing/2010/main" xmlns:p14="http://schemas.microsoft.com/office/powerpoint/2010/main" w="9525">
+                  <a14:hiddenLine xmlns:p14="http://schemas.microsoft.com/office/powerpoint/2010/main" xmlns:a14="http://schemas.microsoft.com/office/drawing/2010/main" xmlns:a16="http://schemas.microsoft.com/office/drawing/2014/main" xmlns="" w="9525">
                     <a:solidFill>
                       <a:srgbClr val="000000"/>
                     </a:solidFill>
@@ -28511,7 +28523,7 @@
               </a:ln>
               <a:extLst>
                 <a:ext uri="{91240B29-F687-4f45-9708-019B960494DF}">
-                  <a14:hiddenLine xmlns="" xmlns:a16="http://schemas.microsoft.com/office/drawing/2014/main" xmlns:a14="http://schemas.microsoft.com/office/drawing/2010/main" xmlns:p14="http://schemas.microsoft.com/office/powerpoint/2010/main" w="9525">
+                  <a14:hiddenLine xmlns:p14="http://schemas.microsoft.com/office/powerpoint/2010/main" xmlns:a14="http://schemas.microsoft.com/office/drawing/2010/main" xmlns:a16="http://schemas.microsoft.com/office/drawing/2014/main" xmlns="" w="9525">
                     <a:solidFill>
                       <a:srgbClr val="000000"/>
                     </a:solidFill>
@@ -28616,7 +28628,7 @@
               </a:ln>
               <a:extLst>
                 <a:ext uri="{91240B29-F687-4f45-9708-019B960494DF}">
-                  <a14:hiddenLine xmlns="" xmlns:a16="http://schemas.microsoft.com/office/drawing/2014/main" xmlns:a14="http://schemas.microsoft.com/office/drawing/2010/main" xmlns:p14="http://schemas.microsoft.com/office/powerpoint/2010/main" w="9525">
+                  <a14:hiddenLine xmlns:p14="http://schemas.microsoft.com/office/powerpoint/2010/main" xmlns:a14="http://schemas.microsoft.com/office/drawing/2010/main" xmlns:a16="http://schemas.microsoft.com/office/drawing/2014/main" xmlns="" w="9525">
                     <a:solidFill>
                       <a:srgbClr val="000000"/>
                     </a:solidFill>
@@ -28721,7 +28733,7 @@
               </a:ln>
               <a:extLst>
                 <a:ext uri="{91240B29-F687-4f45-9708-019B960494DF}">
-                  <a14:hiddenLine xmlns="" xmlns:a16="http://schemas.microsoft.com/office/drawing/2014/main" xmlns:a14="http://schemas.microsoft.com/office/drawing/2010/main" xmlns:p14="http://schemas.microsoft.com/office/powerpoint/2010/main" w="9525">
+                  <a14:hiddenLine xmlns:p14="http://schemas.microsoft.com/office/powerpoint/2010/main" xmlns:a14="http://schemas.microsoft.com/office/drawing/2010/main" xmlns:a16="http://schemas.microsoft.com/office/drawing/2014/main" xmlns="" w="9525">
                     <a:solidFill>
                       <a:srgbClr val="000000"/>
                     </a:solidFill>
@@ -28801,7 +28813,7 @@
               </a:ln>
               <a:extLst>
                 <a:ext uri="{91240B29-F687-4f45-9708-019B960494DF}">
-                  <a14:hiddenLine xmlns="" xmlns:a16="http://schemas.microsoft.com/office/drawing/2014/main" xmlns:a14="http://schemas.microsoft.com/office/drawing/2010/main" xmlns:p14="http://schemas.microsoft.com/office/powerpoint/2010/main" w="9525">
+                  <a14:hiddenLine xmlns:p14="http://schemas.microsoft.com/office/powerpoint/2010/main" xmlns:a14="http://schemas.microsoft.com/office/drawing/2010/main" xmlns:a16="http://schemas.microsoft.com/office/drawing/2014/main" xmlns="" w="9525">
                     <a:solidFill>
                       <a:srgbClr val="000000"/>
                     </a:solidFill>
@@ -28936,7 +28948,7 @@
               </a:ln>
               <a:extLst>
                 <a:ext uri="{91240B29-F687-4f45-9708-019B960494DF}">
-                  <a14:hiddenLine xmlns="" xmlns:a16="http://schemas.microsoft.com/office/drawing/2014/main" xmlns:a14="http://schemas.microsoft.com/office/drawing/2010/main" xmlns:p14="http://schemas.microsoft.com/office/powerpoint/2010/main" w="9525">
+                  <a14:hiddenLine xmlns:p14="http://schemas.microsoft.com/office/powerpoint/2010/main" xmlns:a14="http://schemas.microsoft.com/office/drawing/2010/main" xmlns:a16="http://schemas.microsoft.com/office/drawing/2014/main" xmlns="" w="9525">
                     <a:solidFill>
                       <a:srgbClr val="000000"/>
                     </a:solidFill>
@@ -29064,7 +29076,7 @@
               </a:ln>
               <a:extLst>
                 <a:ext uri="{91240B29-F687-4f45-9708-019B960494DF}">
-                  <a14:hiddenLine xmlns="" xmlns:a16="http://schemas.microsoft.com/office/drawing/2014/main" xmlns:a14="http://schemas.microsoft.com/office/drawing/2010/main" xmlns:p14="http://schemas.microsoft.com/office/powerpoint/2010/main" w="9525">
+                  <a14:hiddenLine xmlns:p14="http://schemas.microsoft.com/office/powerpoint/2010/main" xmlns:a14="http://schemas.microsoft.com/office/drawing/2010/main" xmlns:a16="http://schemas.microsoft.com/office/drawing/2014/main" xmlns="" w="9525">
                     <a:solidFill>
                       <a:srgbClr val="000000"/>
                     </a:solidFill>
@@ -29194,7 +29206,7 @@
               </a:ln>
               <a:extLst>
                 <a:ext uri="{91240B29-F687-4f45-9708-019B960494DF}">
-                  <a14:hiddenLine xmlns="" xmlns:a16="http://schemas.microsoft.com/office/drawing/2014/main" xmlns:a14="http://schemas.microsoft.com/office/drawing/2010/main" xmlns:p14="http://schemas.microsoft.com/office/powerpoint/2010/main" w="9525">
+                  <a14:hiddenLine xmlns:p14="http://schemas.microsoft.com/office/powerpoint/2010/main" xmlns:a14="http://schemas.microsoft.com/office/drawing/2010/main" xmlns:a16="http://schemas.microsoft.com/office/drawing/2014/main" xmlns="" w="9525">
                     <a:solidFill>
                       <a:srgbClr val="000000"/>
                     </a:solidFill>
@@ -29299,7 +29311,7 @@
               </a:ln>
               <a:extLst>
                 <a:ext uri="{91240B29-F687-4f45-9708-019B960494DF}">
-                  <a14:hiddenLine xmlns="" xmlns:a16="http://schemas.microsoft.com/office/drawing/2014/main" xmlns:a14="http://schemas.microsoft.com/office/drawing/2010/main" xmlns:p14="http://schemas.microsoft.com/office/powerpoint/2010/main" w="9525">
+                  <a14:hiddenLine xmlns:p14="http://schemas.microsoft.com/office/powerpoint/2010/main" xmlns:a14="http://schemas.microsoft.com/office/drawing/2010/main" xmlns:a16="http://schemas.microsoft.com/office/drawing/2014/main" xmlns="" w="9525">
                     <a:solidFill>
                       <a:srgbClr val="000000"/>
                     </a:solidFill>
@@ -29379,7 +29391,7 @@
               </a:ln>
               <a:extLst>
                 <a:ext uri="{91240B29-F687-4f45-9708-019B960494DF}">
-                  <a14:hiddenLine xmlns="" xmlns:a16="http://schemas.microsoft.com/office/drawing/2014/main" xmlns:a14="http://schemas.microsoft.com/office/drawing/2010/main" xmlns:p14="http://schemas.microsoft.com/office/powerpoint/2010/main" w="9525">
+                  <a14:hiddenLine xmlns:p14="http://schemas.microsoft.com/office/powerpoint/2010/main" xmlns:a14="http://schemas.microsoft.com/office/drawing/2010/main" xmlns:a16="http://schemas.microsoft.com/office/drawing/2014/main" xmlns="" w="9525">
                     <a:solidFill>
                       <a:srgbClr val="000000"/>
                     </a:solidFill>
@@ -29484,7 +29496,7 @@
               </a:ln>
               <a:extLst>
                 <a:ext uri="{91240B29-F687-4f45-9708-019B960494DF}">
-                  <a14:hiddenLine xmlns="" xmlns:a16="http://schemas.microsoft.com/office/drawing/2014/main" xmlns:a14="http://schemas.microsoft.com/office/drawing/2010/main" xmlns:p14="http://schemas.microsoft.com/office/powerpoint/2010/main" w="9525">
+                  <a14:hiddenLine xmlns:p14="http://schemas.microsoft.com/office/powerpoint/2010/main" xmlns:a14="http://schemas.microsoft.com/office/drawing/2010/main" xmlns:a16="http://schemas.microsoft.com/office/drawing/2014/main" xmlns="" w="9525">
                     <a:solidFill>
                       <a:srgbClr val="000000"/>
                     </a:solidFill>
@@ -29567,7 +29579,7 @@
               </a:ln>
               <a:extLst>
                 <a:ext uri="{91240B29-F687-4f45-9708-019B960494DF}">
-                  <a14:hiddenLine xmlns="" xmlns:a16="http://schemas.microsoft.com/office/drawing/2014/main" xmlns:a14="http://schemas.microsoft.com/office/drawing/2010/main" xmlns:p14="http://schemas.microsoft.com/office/powerpoint/2010/main" w="9525">
+                  <a14:hiddenLine xmlns:p14="http://schemas.microsoft.com/office/powerpoint/2010/main" xmlns:a14="http://schemas.microsoft.com/office/drawing/2010/main" xmlns:a16="http://schemas.microsoft.com/office/drawing/2014/main" xmlns="" w="9525">
                     <a:solidFill>
                       <a:srgbClr val="000000"/>
                     </a:solidFill>
@@ -29672,7 +29684,7 @@
               </a:ln>
               <a:extLst>
                 <a:ext uri="{91240B29-F687-4f45-9708-019B960494DF}">
-                  <a14:hiddenLine xmlns="" xmlns:a16="http://schemas.microsoft.com/office/drawing/2014/main" xmlns:a14="http://schemas.microsoft.com/office/drawing/2010/main" xmlns:p14="http://schemas.microsoft.com/office/powerpoint/2010/main" w="9525">
+                  <a14:hiddenLine xmlns:p14="http://schemas.microsoft.com/office/powerpoint/2010/main" xmlns:a14="http://schemas.microsoft.com/office/drawing/2010/main" xmlns:a16="http://schemas.microsoft.com/office/drawing/2014/main" xmlns="" w="9525">
                     <a:solidFill>
                       <a:srgbClr val="000000"/>
                     </a:solidFill>
@@ -29755,7 +29767,7 @@
               </a:ln>
               <a:extLst>
                 <a:ext uri="{91240B29-F687-4f45-9708-019B960494DF}">
-                  <a14:hiddenLine xmlns="" xmlns:a16="http://schemas.microsoft.com/office/drawing/2014/main" xmlns:a14="http://schemas.microsoft.com/office/drawing/2010/main" xmlns:p14="http://schemas.microsoft.com/office/powerpoint/2010/main" w="9525">
+                  <a14:hiddenLine xmlns:p14="http://schemas.microsoft.com/office/powerpoint/2010/main" xmlns:a14="http://schemas.microsoft.com/office/drawing/2010/main" xmlns:a16="http://schemas.microsoft.com/office/drawing/2014/main" xmlns="" w="9525">
                     <a:solidFill>
                       <a:srgbClr val="000000"/>
                     </a:solidFill>
@@ -29860,7 +29872,7 @@
               </a:ln>
               <a:extLst>
                 <a:ext uri="{91240B29-F687-4f45-9708-019B960494DF}">
-                  <a14:hiddenLine xmlns="" xmlns:a16="http://schemas.microsoft.com/office/drawing/2014/main" xmlns:a14="http://schemas.microsoft.com/office/drawing/2010/main" xmlns:p14="http://schemas.microsoft.com/office/powerpoint/2010/main" w="9525">
+                  <a14:hiddenLine xmlns:p14="http://schemas.microsoft.com/office/powerpoint/2010/main" xmlns:a14="http://schemas.microsoft.com/office/drawing/2010/main" xmlns:a16="http://schemas.microsoft.com/office/drawing/2014/main" xmlns="" w="9525">
                     <a:solidFill>
                       <a:srgbClr val="000000"/>
                     </a:solidFill>
@@ -29909,7 +29921,7 @@
               </a:ln>
               <a:extLst>
                 <a:ext uri="{91240B29-F687-4f45-9708-019B960494DF}">
-                  <a14:hiddenLine xmlns="" xmlns:a16="http://schemas.microsoft.com/office/drawing/2014/main" xmlns:a14="http://schemas.microsoft.com/office/drawing/2010/main" xmlns:p14="http://schemas.microsoft.com/office/powerpoint/2010/main" w="9525">
+                  <a14:hiddenLine xmlns:p14="http://schemas.microsoft.com/office/powerpoint/2010/main" xmlns:a14="http://schemas.microsoft.com/office/drawing/2010/main" xmlns:a16="http://schemas.microsoft.com/office/drawing/2014/main" xmlns="" w="9525">
                     <a:solidFill>
                       <a:srgbClr val="000000"/>
                     </a:solidFill>
@@ -30608,7 +30620,7 @@
           <a:noFill/>
           <a:extLst>
             <a:ext uri="{909E8E84-426E-40dd-AFC4-6F175D3DCCD1}">
-              <a14:hiddenFill xmlns="" xmlns:a16="http://schemas.microsoft.com/office/drawing/2014/main" xmlns:p14="http://schemas.microsoft.com/office/powerpoint/2010/main" xmlns:a14="http://schemas.microsoft.com/office/drawing/2010/main">
+              <a14:hiddenFill xmlns:a14="http://schemas.microsoft.com/office/drawing/2010/main" xmlns:p14="http://schemas.microsoft.com/office/powerpoint/2010/main" xmlns:a16="http://schemas.microsoft.com/office/drawing/2014/main" xmlns="">
                 <a:solidFill>
                   <a:srgbClr val="FFFFFF"/>
                 </a:solidFill>
@@ -30840,7 +30852,7 @@
             </a:ln>
             <a:extLst>
               <a:ext uri="{91240B29-F687-4f45-9708-019B960494DF}">
-                <a14:hiddenLine xmlns="" xmlns:a16="http://schemas.microsoft.com/office/drawing/2014/main" xmlns:p14="http://schemas.microsoft.com/office/powerpoint/2010/main" xmlns:a14="http://schemas.microsoft.com/office/drawing/2010/main" w="9525">
+                <a14:hiddenLine xmlns:a14="http://schemas.microsoft.com/office/drawing/2010/main" xmlns:p14="http://schemas.microsoft.com/office/powerpoint/2010/main" xmlns:a16="http://schemas.microsoft.com/office/drawing/2014/main" xmlns="" w="9525">
                   <a:solidFill>
                     <a:srgbClr val="000000"/>
                   </a:solidFill>
@@ -30945,7 +30957,7 @@
             </a:ln>
             <a:extLst>
               <a:ext uri="{91240B29-F687-4f45-9708-019B960494DF}">
-                <a14:hiddenLine xmlns="" xmlns:a16="http://schemas.microsoft.com/office/drawing/2014/main" xmlns:p14="http://schemas.microsoft.com/office/powerpoint/2010/main" xmlns:a14="http://schemas.microsoft.com/office/drawing/2010/main" w="9525">
+                <a14:hiddenLine xmlns:a14="http://schemas.microsoft.com/office/drawing/2010/main" xmlns:p14="http://schemas.microsoft.com/office/powerpoint/2010/main" xmlns:a16="http://schemas.microsoft.com/office/drawing/2014/main" xmlns="" w="9525">
                   <a:solidFill>
                     <a:srgbClr val="000000"/>
                   </a:solidFill>
@@ -31050,7 +31062,7 @@
             </a:ln>
             <a:extLst>
               <a:ext uri="{91240B29-F687-4f45-9708-019B960494DF}">
-                <a14:hiddenLine xmlns="" xmlns:a16="http://schemas.microsoft.com/office/drawing/2014/main" xmlns:p14="http://schemas.microsoft.com/office/powerpoint/2010/main" xmlns:a14="http://schemas.microsoft.com/office/drawing/2010/main" w="9525">
+                <a14:hiddenLine xmlns:a14="http://schemas.microsoft.com/office/drawing/2010/main" xmlns:p14="http://schemas.microsoft.com/office/powerpoint/2010/main" xmlns:a16="http://schemas.microsoft.com/office/drawing/2014/main" xmlns="" w="9525">
                   <a:solidFill>
                     <a:srgbClr val="000000"/>
                   </a:solidFill>
@@ -31127,7 +31139,7 @@
             </a:ln>
             <a:extLst>
               <a:ext uri="{91240B29-F687-4f45-9708-019B960494DF}">
-                <a14:hiddenLine xmlns="" xmlns:a16="http://schemas.microsoft.com/office/drawing/2014/main" xmlns:p14="http://schemas.microsoft.com/office/powerpoint/2010/main" xmlns:a14="http://schemas.microsoft.com/office/drawing/2010/main" w="9525">
+                <a14:hiddenLine xmlns:a14="http://schemas.microsoft.com/office/drawing/2010/main" xmlns:p14="http://schemas.microsoft.com/office/powerpoint/2010/main" xmlns:a16="http://schemas.microsoft.com/office/drawing/2014/main" xmlns="" w="9525">
                   <a:solidFill>
                     <a:srgbClr val="000000"/>
                   </a:solidFill>
@@ -31232,7 +31244,7 @@
             </a:ln>
             <a:extLst>
               <a:ext uri="{91240B29-F687-4f45-9708-019B960494DF}">
-                <a14:hiddenLine xmlns="" xmlns:a16="http://schemas.microsoft.com/office/drawing/2014/main" xmlns:p14="http://schemas.microsoft.com/office/powerpoint/2010/main" xmlns:a14="http://schemas.microsoft.com/office/drawing/2010/main" w="9525">
+                <a14:hiddenLine xmlns:a14="http://schemas.microsoft.com/office/drawing/2010/main" xmlns:p14="http://schemas.microsoft.com/office/powerpoint/2010/main" xmlns:a16="http://schemas.microsoft.com/office/drawing/2014/main" xmlns="" w="9525">
                   <a:solidFill>
                     <a:srgbClr val="000000"/>
                   </a:solidFill>
@@ -31309,7 +31321,7 @@
             </a:ln>
             <a:extLst>
               <a:ext uri="{91240B29-F687-4f45-9708-019B960494DF}">
-                <a14:hiddenLine xmlns="" xmlns:a16="http://schemas.microsoft.com/office/drawing/2014/main" xmlns:p14="http://schemas.microsoft.com/office/powerpoint/2010/main" xmlns:a14="http://schemas.microsoft.com/office/drawing/2010/main" w="9525">
+                <a14:hiddenLine xmlns:a14="http://schemas.microsoft.com/office/drawing/2010/main" xmlns:p14="http://schemas.microsoft.com/office/powerpoint/2010/main" xmlns:a16="http://schemas.microsoft.com/office/drawing/2014/main" xmlns="" w="9525">
                   <a:solidFill>
                     <a:srgbClr val="000000"/>
                   </a:solidFill>
@@ -31386,7 +31398,7 @@
             </a:ln>
             <a:extLst>
               <a:ext uri="{91240B29-F687-4f45-9708-019B960494DF}">
-                <a14:hiddenLine xmlns="" xmlns:a16="http://schemas.microsoft.com/office/drawing/2014/main" xmlns:p14="http://schemas.microsoft.com/office/powerpoint/2010/main" xmlns:a14="http://schemas.microsoft.com/office/drawing/2010/main" w="9525">
+                <a14:hiddenLine xmlns:a14="http://schemas.microsoft.com/office/drawing/2010/main" xmlns:p14="http://schemas.microsoft.com/office/powerpoint/2010/main" xmlns:a16="http://schemas.microsoft.com/office/drawing/2014/main" xmlns="" w="9525">
                   <a:solidFill>
                     <a:srgbClr val="000000"/>
                   </a:solidFill>
@@ -31491,7 +31503,7 @@
             </a:ln>
             <a:extLst>
               <a:ext uri="{91240B29-F687-4f45-9708-019B960494DF}">
-                <a14:hiddenLine xmlns="" xmlns:a16="http://schemas.microsoft.com/office/drawing/2014/main" xmlns:p14="http://schemas.microsoft.com/office/powerpoint/2010/main" xmlns:a14="http://schemas.microsoft.com/office/drawing/2010/main" w="9525">
+                <a14:hiddenLine xmlns:a14="http://schemas.microsoft.com/office/drawing/2010/main" xmlns:p14="http://schemas.microsoft.com/office/powerpoint/2010/main" xmlns:a16="http://schemas.microsoft.com/office/drawing/2014/main" xmlns="" w="9525">
                   <a:solidFill>
                     <a:srgbClr val="000000"/>
                   </a:solidFill>
@@ -31596,7 +31608,7 @@
             </a:ln>
             <a:extLst>
               <a:ext uri="{91240B29-F687-4f45-9708-019B960494DF}">
-                <a14:hiddenLine xmlns="" xmlns:a16="http://schemas.microsoft.com/office/drawing/2014/main" xmlns:p14="http://schemas.microsoft.com/office/powerpoint/2010/main" xmlns:a14="http://schemas.microsoft.com/office/drawing/2010/main" w="9525">
+                <a14:hiddenLine xmlns:a14="http://schemas.microsoft.com/office/drawing/2010/main" xmlns:p14="http://schemas.microsoft.com/office/powerpoint/2010/main" xmlns:a16="http://schemas.microsoft.com/office/drawing/2014/main" xmlns="" w="9525">
                   <a:solidFill>
                     <a:srgbClr val="000000"/>
                   </a:solidFill>
@@ -31673,7 +31685,7 @@
             </a:ln>
             <a:extLst>
               <a:ext uri="{91240B29-F687-4f45-9708-019B960494DF}">
-                <a14:hiddenLine xmlns="" xmlns:a16="http://schemas.microsoft.com/office/drawing/2014/main" xmlns:p14="http://schemas.microsoft.com/office/powerpoint/2010/main" xmlns:a14="http://schemas.microsoft.com/office/drawing/2010/main" w="9525">
+                <a14:hiddenLine xmlns:a14="http://schemas.microsoft.com/office/drawing/2010/main" xmlns:p14="http://schemas.microsoft.com/office/powerpoint/2010/main" xmlns:a16="http://schemas.microsoft.com/office/drawing/2014/main" xmlns="" w="9525">
                   <a:solidFill>
                     <a:srgbClr val="000000"/>
                   </a:solidFill>
@@ -31798,7 +31810,7 @@
             </a:ln>
             <a:extLst>
               <a:ext uri="{91240B29-F687-4f45-9708-019B960494DF}">
-                <a14:hiddenLine xmlns="" xmlns:a16="http://schemas.microsoft.com/office/drawing/2014/main" xmlns:p14="http://schemas.microsoft.com/office/powerpoint/2010/main" xmlns:a14="http://schemas.microsoft.com/office/drawing/2010/main" w="9525">
+                <a14:hiddenLine xmlns:a14="http://schemas.microsoft.com/office/drawing/2010/main" xmlns:p14="http://schemas.microsoft.com/office/powerpoint/2010/main" xmlns:a16="http://schemas.microsoft.com/office/drawing/2014/main" xmlns="" w="9525">
                   <a:solidFill>
                     <a:srgbClr val="000000"/>
                   </a:solidFill>
@@ -31912,7 +31924,7 @@
             </a:ln>
             <a:extLst>
               <a:ext uri="{91240B29-F687-4f45-9708-019B960494DF}">
-                <a14:hiddenLine xmlns="" xmlns:a16="http://schemas.microsoft.com/office/drawing/2014/main" xmlns:p14="http://schemas.microsoft.com/office/powerpoint/2010/main" xmlns:a14="http://schemas.microsoft.com/office/drawing/2010/main" w="9525">
+                <a14:hiddenLine xmlns:a14="http://schemas.microsoft.com/office/drawing/2010/main" xmlns:p14="http://schemas.microsoft.com/office/powerpoint/2010/main" xmlns:a16="http://schemas.microsoft.com/office/drawing/2014/main" xmlns="" w="9525">
                   <a:solidFill>
                     <a:srgbClr val="000000"/>
                   </a:solidFill>
@@ -31989,7 +32001,7 @@
             </a:ln>
             <a:extLst>
               <a:ext uri="{91240B29-F687-4f45-9708-019B960494DF}">
-                <a14:hiddenLine xmlns="" xmlns:a16="http://schemas.microsoft.com/office/drawing/2014/main" xmlns:p14="http://schemas.microsoft.com/office/powerpoint/2010/main" xmlns:a14="http://schemas.microsoft.com/office/drawing/2010/main" w="9525">
+                <a14:hiddenLine xmlns:a14="http://schemas.microsoft.com/office/drawing/2010/main" xmlns:p14="http://schemas.microsoft.com/office/powerpoint/2010/main" xmlns:a16="http://schemas.microsoft.com/office/drawing/2014/main" xmlns="" w="9525">
                   <a:solidFill>
                     <a:srgbClr val="000000"/>
                   </a:solidFill>
@@ -32066,7 +32078,7 @@
             </a:ln>
             <a:extLst>
               <a:ext uri="{91240B29-F687-4f45-9708-019B960494DF}">
-                <a14:hiddenLine xmlns="" xmlns:a16="http://schemas.microsoft.com/office/drawing/2014/main" xmlns:p14="http://schemas.microsoft.com/office/powerpoint/2010/main" xmlns:a14="http://schemas.microsoft.com/office/drawing/2010/main" w="9525">
+                <a14:hiddenLine xmlns:a14="http://schemas.microsoft.com/office/drawing/2010/main" xmlns:p14="http://schemas.microsoft.com/office/powerpoint/2010/main" xmlns:a16="http://schemas.microsoft.com/office/drawing/2014/main" xmlns="" w="9525">
                   <a:solidFill>
                     <a:srgbClr val="000000"/>
                   </a:solidFill>
@@ -32171,7 +32183,7 @@
             </a:ln>
             <a:extLst>
               <a:ext uri="{91240B29-F687-4f45-9708-019B960494DF}">
-                <a14:hiddenLine xmlns="" xmlns:a16="http://schemas.microsoft.com/office/drawing/2014/main" xmlns:p14="http://schemas.microsoft.com/office/powerpoint/2010/main" xmlns:a14="http://schemas.microsoft.com/office/drawing/2010/main" w="9525">
+                <a14:hiddenLine xmlns:a14="http://schemas.microsoft.com/office/drawing/2010/main" xmlns:p14="http://schemas.microsoft.com/office/powerpoint/2010/main" xmlns:a16="http://schemas.microsoft.com/office/drawing/2014/main" xmlns="" w="9525">
                   <a:solidFill>
                     <a:srgbClr val="000000"/>
                   </a:solidFill>
@@ -32220,7 +32232,7 @@
             </a:ln>
             <a:extLst>
               <a:ext uri="{91240B29-F687-4f45-9708-019B960494DF}">
-                <a14:hiddenLine xmlns="" xmlns:a16="http://schemas.microsoft.com/office/drawing/2014/main" xmlns:p14="http://schemas.microsoft.com/office/powerpoint/2010/main" xmlns:a14="http://schemas.microsoft.com/office/drawing/2010/main" w="9525">
+                <a14:hiddenLine xmlns:a14="http://schemas.microsoft.com/office/drawing/2010/main" xmlns:p14="http://schemas.microsoft.com/office/powerpoint/2010/main" xmlns:a16="http://schemas.microsoft.com/office/drawing/2014/main" xmlns="" w="9525">
                   <a:solidFill>
                     <a:srgbClr val="000000"/>
                   </a:solidFill>
@@ -32300,7 +32312,7 @@
             </a:ln>
             <a:extLst>
               <a:ext uri="{91240B29-F687-4f45-9708-019B960494DF}">
-                <a14:hiddenLine xmlns="" xmlns:a16="http://schemas.microsoft.com/office/drawing/2014/main" xmlns:p14="http://schemas.microsoft.com/office/powerpoint/2010/main" xmlns:a14="http://schemas.microsoft.com/office/drawing/2010/main" w="9525">
+                <a14:hiddenLine xmlns:a14="http://schemas.microsoft.com/office/drawing/2010/main" xmlns:p14="http://schemas.microsoft.com/office/powerpoint/2010/main" xmlns:a16="http://schemas.microsoft.com/office/drawing/2014/main" xmlns="" w="9525">
                   <a:solidFill>
                     <a:srgbClr val="000000"/>
                   </a:solidFill>
@@ -32405,7 +32417,7 @@
             </a:ln>
             <a:extLst>
               <a:ext uri="{91240B29-F687-4f45-9708-019B960494DF}">
-                <a14:hiddenLine xmlns="" xmlns:a16="http://schemas.microsoft.com/office/drawing/2014/main" xmlns:p14="http://schemas.microsoft.com/office/powerpoint/2010/main" xmlns:a14="http://schemas.microsoft.com/office/drawing/2010/main" w="9525">
+                <a14:hiddenLine xmlns:a14="http://schemas.microsoft.com/office/drawing/2010/main" xmlns:p14="http://schemas.microsoft.com/office/powerpoint/2010/main" xmlns:a16="http://schemas.microsoft.com/office/drawing/2014/main" xmlns="" w="9525">
                   <a:solidFill>
                     <a:srgbClr val="000000"/>
                   </a:solidFill>
@@ -32482,7 +32494,7 @@
             </a:ln>
             <a:extLst>
               <a:ext uri="{91240B29-F687-4f45-9708-019B960494DF}">
-                <a14:hiddenLine xmlns="" xmlns:a16="http://schemas.microsoft.com/office/drawing/2014/main" xmlns:p14="http://schemas.microsoft.com/office/powerpoint/2010/main" xmlns:a14="http://schemas.microsoft.com/office/drawing/2010/main" w="9525">
+                <a14:hiddenLine xmlns:a14="http://schemas.microsoft.com/office/drawing/2010/main" xmlns:p14="http://schemas.microsoft.com/office/powerpoint/2010/main" xmlns:a16="http://schemas.microsoft.com/office/drawing/2014/main" xmlns="" w="9525">
                   <a:solidFill>
                     <a:srgbClr val="000000"/>
                   </a:solidFill>
@@ -32587,7 +32599,7 @@
             </a:ln>
             <a:extLst>
               <a:ext uri="{91240B29-F687-4f45-9708-019B960494DF}">
-                <a14:hiddenLine xmlns="" xmlns:a16="http://schemas.microsoft.com/office/drawing/2014/main" xmlns:p14="http://schemas.microsoft.com/office/powerpoint/2010/main" xmlns:a14="http://schemas.microsoft.com/office/drawing/2010/main" w="9525">
+                <a14:hiddenLine xmlns:a14="http://schemas.microsoft.com/office/drawing/2010/main" xmlns:p14="http://schemas.microsoft.com/office/powerpoint/2010/main" xmlns:a16="http://schemas.microsoft.com/office/drawing/2014/main" xmlns="" w="9525">
                   <a:solidFill>
                     <a:srgbClr val="000000"/>
                   </a:solidFill>
@@ -32667,7 +32679,7 @@
             </a:ln>
             <a:extLst>
               <a:ext uri="{91240B29-F687-4f45-9708-019B960494DF}">
-                <a14:hiddenLine xmlns="" xmlns:a16="http://schemas.microsoft.com/office/drawing/2014/main" xmlns:p14="http://schemas.microsoft.com/office/powerpoint/2010/main" xmlns:a14="http://schemas.microsoft.com/office/drawing/2010/main" w="9525">
+                <a14:hiddenLine xmlns:a14="http://schemas.microsoft.com/office/drawing/2010/main" xmlns:p14="http://schemas.microsoft.com/office/powerpoint/2010/main" xmlns:a16="http://schemas.microsoft.com/office/drawing/2014/main" xmlns="" w="9525">
                   <a:solidFill>
                     <a:srgbClr val="000000"/>
                   </a:solidFill>
@@ -32744,7 +32756,7 @@
             </a:ln>
             <a:extLst>
               <a:ext uri="{91240B29-F687-4f45-9708-019B960494DF}">
-                <a14:hiddenLine xmlns="" xmlns:a16="http://schemas.microsoft.com/office/drawing/2014/main" xmlns:p14="http://schemas.microsoft.com/office/powerpoint/2010/main" xmlns:a14="http://schemas.microsoft.com/office/drawing/2010/main" w="9525">
+                <a14:hiddenLine xmlns:a14="http://schemas.microsoft.com/office/drawing/2010/main" xmlns:p14="http://schemas.microsoft.com/office/powerpoint/2010/main" xmlns:a16="http://schemas.microsoft.com/office/drawing/2014/main" xmlns="" w="9525">
                   <a:solidFill>
                     <a:srgbClr val="000000"/>
                   </a:solidFill>
@@ -32849,7 +32861,7 @@
             </a:ln>
             <a:extLst>
               <a:ext uri="{91240B29-F687-4f45-9708-019B960494DF}">
-                <a14:hiddenLine xmlns="" xmlns:a16="http://schemas.microsoft.com/office/drawing/2014/main" xmlns:p14="http://schemas.microsoft.com/office/powerpoint/2010/main" xmlns:a14="http://schemas.microsoft.com/office/drawing/2010/main" w="9525">
+                <a14:hiddenLine xmlns:a14="http://schemas.microsoft.com/office/drawing/2010/main" xmlns:p14="http://schemas.microsoft.com/office/powerpoint/2010/main" xmlns:a16="http://schemas.microsoft.com/office/drawing/2014/main" xmlns="" w="9525">
                   <a:solidFill>
                     <a:srgbClr val="000000"/>
                   </a:solidFill>
@@ -32954,7 +32966,7 @@
             </a:ln>
             <a:extLst>
               <a:ext uri="{91240B29-F687-4f45-9708-019B960494DF}">
-                <a14:hiddenLine xmlns="" xmlns:a16="http://schemas.microsoft.com/office/drawing/2014/main" xmlns:p14="http://schemas.microsoft.com/office/powerpoint/2010/main" xmlns:a14="http://schemas.microsoft.com/office/drawing/2010/main" w="9525">
+                <a14:hiddenLine xmlns:a14="http://schemas.microsoft.com/office/drawing/2010/main" xmlns:p14="http://schemas.microsoft.com/office/powerpoint/2010/main" xmlns:a16="http://schemas.microsoft.com/office/drawing/2014/main" xmlns="" w="9525">
                   <a:solidFill>
                     <a:srgbClr val="000000"/>
                   </a:solidFill>
@@ -33034,7 +33046,7 @@
             </a:ln>
             <a:extLst>
               <a:ext uri="{91240B29-F687-4f45-9708-019B960494DF}">
-                <a14:hiddenLine xmlns="" xmlns:a16="http://schemas.microsoft.com/office/drawing/2014/main" xmlns:p14="http://schemas.microsoft.com/office/powerpoint/2010/main" xmlns:a14="http://schemas.microsoft.com/office/drawing/2010/main" w="9525">
+                <a14:hiddenLine xmlns:a14="http://schemas.microsoft.com/office/drawing/2010/main" xmlns:p14="http://schemas.microsoft.com/office/powerpoint/2010/main" xmlns:a16="http://schemas.microsoft.com/office/drawing/2014/main" xmlns="" w="9525">
                   <a:solidFill>
                     <a:srgbClr val="000000"/>
                   </a:solidFill>
@@ -33169,7 +33181,7 @@
             </a:ln>
             <a:extLst>
               <a:ext uri="{91240B29-F687-4f45-9708-019B960494DF}">
-                <a14:hiddenLine xmlns="" xmlns:a16="http://schemas.microsoft.com/office/drawing/2014/main" xmlns:p14="http://schemas.microsoft.com/office/powerpoint/2010/main" xmlns:a14="http://schemas.microsoft.com/office/drawing/2010/main" w="9525">
+                <a14:hiddenLine xmlns:a14="http://schemas.microsoft.com/office/drawing/2010/main" xmlns:p14="http://schemas.microsoft.com/office/powerpoint/2010/main" xmlns:a16="http://schemas.microsoft.com/office/drawing/2014/main" xmlns="" w="9525">
                   <a:solidFill>
                     <a:srgbClr val="000000"/>
                   </a:solidFill>
